--- a/사용자리서치_정재녕.pptx
+++ b/사용자리서치_정재녕.pptx
@@ -1,6 +1,6 @@
 
 <file path=ppt/presentation.xml><?xml version="1.0" encoding="utf-8"?>
-<p:presentation xmlns:a="http://schemas.openxmlformats.org/drawingml/2006/main" xmlns:r="http://schemas.openxmlformats.org/officeDocument/2006/relationships" xmlns:p="http://schemas.openxmlformats.org/presentationml/2006/main" saveSubsetFonts="1">
+<p:presentation xmlns:r="http://schemas.openxmlformats.org/officeDocument/2006/relationships" xmlns:c="http://schemas.openxmlformats.org/drawingml/2006/chart" xmlns:a="http://schemas.openxmlformats.org/drawingml/2006/main" xmlns:dgm="http://schemas.openxmlformats.org/drawingml/2006/diagram" xmlns:dsp="http://schemas.microsoft.com/office/drawing/2008/diagram" xmlns:p="http://schemas.openxmlformats.org/presentationml/2006/main">
   <p:sldMasterIdLst>
     <p:sldMasterId id="2147483648" r:id="rId1"/>
   </p:sldMasterIdLst>
@@ -4872,7 +4872,7 @@
 </file>
 
 <file path=ppt/slides/slide5.xml><?xml version="1.0" encoding="utf-8"?>
-<p:sld xmlns:a="http://schemas.openxmlformats.org/drawingml/2006/main" xmlns:r="http://schemas.openxmlformats.org/officeDocument/2006/relationships" xmlns:p="http://schemas.openxmlformats.org/presentationml/2006/main">
+<p:sld xmlns:r="http://schemas.openxmlformats.org/officeDocument/2006/relationships" xmlns:c="http://schemas.openxmlformats.org/drawingml/2006/chart" xmlns:a="http://schemas.openxmlformats.org/drawingml/2006/main" xmlns:dgm="http://schemas.openxmlformats.org/drawingml/2006/diagram" xmlns:dsp="http://schemas.microsoft.com/office/drawing/2008/diagram" xmlns:p="http://schemas.openxmlformats.org/presentationml/2006/main">
   <p:cSld>
     <p:spTree>
       <p:nvGrpSpPr>
@@ -4918,13 +4918,7 @@
       </p:sp>
       <p:sp>
         <p:nvSpPr>
-          <p:cNvPr id="8" name="내용 개체 틀 7">
-            <a:extLst>
-              <a:ext uri="{FF2B5EF4-FFF2-40B4-BE49-F238E27FC236}">
-                <a16:creationId xmlns:a16="http://schemas.microsoft.com/office/drawing/2014/main" id="{A22C4A79-AC0B-4105-8F81-E17FF9A82DEF}"/>
-              </a:ext>
-            </a:extLst>
-          </p:cNvPr>
+          <p:cNvPr id="8" name="내용 개체 틀 7"/>
           <p:cNvSpPr>
             <a:spLocks noGrp="1"/>
           </p:cNvSpPr>
@@ -4942,99 +4936,145 @@
             <a:pPr marL="342900" indent="-342900">
               <a:buFont typeface="+mj-lt"/>
               <a:buAutoNum type="arabicPeriod"/>
-            </a:pPr>
-            <a:r>
-              <a:rPr lang="ko-KR" altLang="en-US" sz="1600" dirty="0" err="1"/>
-              <a:t>인바디</a:t>
-            </a:r>
-            <a:r>
-              <a:rPr lang="ko-KR" altLang="en-US" sz="1600" dirty="0"/>
-              <a:t> 제품을 사용해 본 적이 </a:t>
-            </a:r>
-            <a:r>
-              <a:rPr lang="ko-KR" altLang="en-US" sz="1600" dirty="0" err="1"/>
-              <a:t>있으신가요</a:t>
-            </a:r>
-            <a:r>
-              <a:rPr lang="en-US" altLang="ko-KR" sz="1600" dirty="0"/>
+              <a:defRPr/>
+            </a:pPr>
+            <a:r>
+              <a:rPr lang="ko-KR" altLang="en-US" sz="1600"/>
+              <a:t>인바디 제품을 사용해 본 적이 있으신가요</a:t>
+            </a:r>
+            <a:r>
+              <a:rPr lang="en-US" altLang="ko-KR" sz="1600"/>
               <a:t>?</a:t>
             </a:r>
+            <a:endParaRPr lang="en-US" altLang="ko-KR" sz="1600"/>
           </a:p>
           <a:p>
             <a:pPr marL="800100" lvl="1" indent="-342900">
               <a:buFont typeface="+mj-ea"/>
               <a:buAutoNum type="circleNumDbPlain"/>
-            </a:pPr>
-            <a:r>
-              <a:rPr lang="ko-KR" altLang="en-US" sz="1200" dirty="0"/>
+              <a:defRPr/>
+            </a:pPr>
+            <a:r>
+              <a:rPr lang="ko-KR" altLang="en-US" sz="1200"/>
               <a:t>예</a:t>
             </a:r>
-            <a:endParaRPr lang="en-US" altLang="ko-KR" sz="1200" dirty="0"/>
+            <a:endParaRPr lang="ko-KR" altLang="en-US" sz="1200"/>
           </a:p>
           <a:p>
             <a:pPr marL="800100" lvl="1" indent="-342900">
               <a:buFont typeface="+mj-ea"/>
               <a:buAutoNum type="circleNumDbPlain"/>
-            </a:pPr>
-            <a:r>
-              <a:rPr lang="ko-KR" altLang="en-US" sz="1200" dirty="0"/>
+              <a:defRPr/>
+            </a:pPr>
+            <a:r>
+              <a:rPr lang="ko-KR" altLang="en-US" sz="1200"/>
               <a:t>아니요</a:t>
             </a:r>
-            <a:endParaRPr lang="en-US" altLang="ko-KR" sz="1200" dirty="0"/>
+            <a:endParaRPr lang="ko-KR" altLang="en-US" sz="1200"/>
           </a:p>
           <a:p>
             <a:pPr marL="342900" indent="-342900">
               <a:buFont typeface="+mj-ea"/>
               <a:buAutoNum type="arabicPeriod"/>
-            </a:pPr>
-            <a:r>
-              <a:rPr lang="ko-KR" altLang="en-US" sz="1600" dirty="0"/>
-              <a:t>주로 어떤 목적으로 이용하시나요</a:t>
-            </a:r>
-            <a:r>
-              <a:rPr lang="en-US" altLang="ko-KR" sz="1600" dirty="0"/>
+              <a:defRPr/>
+            </a:pPr>
+            <a:r>
+              <a:rPr lang="ko-KR" altLang="en-US" sz="1600"/>
+              <a:t>귀하의 연령대는 어떻게 되시나요</a:t>
+            </a:r>
+            <a:r>
+              <a:rPr lang="en-US" altLang="ko-KR" sz="1600"/>
               <a:t>?</a:t>
             </a:r>
+            <a:endParaRPr lang="en-US" altLang="ko-KR" sz="1600"/>
           </a:p>
           <a:p>
             <a:pPr marL="800100" lvl="1" indent="-342900">
               <a:buFont typeface="+mj-ea"/>
               <a:buAutoNum type="circleNumDbPlain"/>
-            </a:pPr>
-            <a:r>
-              <a:rPr lang="ko-KR" altLang="en-US" sz="1200" dirty="0"/>
-              <a:t>운동</a:t>
-            </a:r>
-            <a:endParaRPr lang="en-US" altLang="ko-KR" sz="1200" dirty="0"/>
+              <a:defRPr/>
+            </a:pPr>
+            <a:r>
+              <a:rPr lang="en-US" altLang="ko-KR" sz="1200"/>
+              <a:t>10</a:t>
+            </a:r>
+            <a:r>
+              <a:rPr lang="ko-KR" altLang="en-US" sz="1200"/>
+              <a:t>대</a:t>
+            </a:r>
+            <a:endParaRPr lang="ko-KR" altLang="en-US" sz="1200"/>
           </a:p>
           <a:p>
             <a:pPr marL="800100" lvl="1" indent="-342900">
               <a:buFont typeface="+mj-ea"/>
               <a:buAutoNum type="circleNumDbPlain"/>
-            </a:pPr>
-            <a:r>
-              <a:rPr lang="ko-KR" altLang="en-US" sz="1200" dirty="0"/>
-              <a:t>체중관리</a:t>
-            </a:r>
-            <a:endParaRPr lang="en-US" altLang="ko-KR" sz="1200" dirty="0"/>
+              <a:defRPr/>
+            </a:pPr>
+            <a:r>
+              <a:rPr lang="en-US" altLang="ko-KR" sz="1200"/>
+              <a:t>20</a:t>
+            </a:r>
+            <a:r>
+              <a:rPr lang="ko-KR" altLang="en-US" sz="1200"/>
+              <a:t>대</a:t>
+            </a:r>
+            <a:endParaRPr lang="ko-KR" altLang="en-US" sz="1200"/>
           </a:p>
           <a:p>
             <a:pPr marL="800100" lvl="1" indent="-342900">
               <a:buFont typeface="+mj-ea"/>
               <a:buAutoNum type="circleNumDbPlain"/>
-            </a:pPr>
-            <a:r>
-              <a:rPr lang="ko-KR" altLang="en-US" sz="1200" dirty="0"/>
-              <a:t>건강관리</a:t>
-            </a:r>
-            <a:endParaRPr lang="en-US" altLang="ko-KR" sz="1200" dirty="0"/>
+              <a:defRPr/>
+            </a:pPr>
+            <a:r>
+              <a:rPr lang="en-US" altLang="ko-KR" sz="1200"/>
+              <a:t>30</a:t>
+            </a:r>
+            <a:r>
+              <a:rPr lang="ko-KR" altLang="en-US" sz="1200"/>
+              <a:t>대</a:t>
+            </a:r>
+            <a:endParaRPr lang="ko-KR" altLang="en-US" sz="1200"/>
           </a:p>
           <a:p>
             <a:pPr marL="800100" lvl="1" indent="-342900">
               <a:buFont typeface="+mj-ea"/>
               <a:buAutoNum type="circleNumDbPlain"/>
-            </a:pPr>
-            <a:endParaRPr lang="ko-KR" altLang="en-US" sz="1200" dirty="0"/>
+              <a:defRPr/>
+            </a:pPr>
+            <a:r>
+              <a:rPr lang="en-US" altLang="ko-KR" sz="1200"/>
+              <a:t>40</a:t>
+            </a:r>
+            <a:r>
+              <a:rPr lang="ko-KR" altLang="en-US" sz="1200"/>
+              <a:t>대</a:t>
+            </a:r>
+            <a:endParaRPr lang="ko-KR" altLang="en-US" sz="1200"/>
+          </a:p>
+          <a:p>
+            <a:pPr marL="800100" lvl="1" indent="-342900">
+              <a:buFont typeface="+mj-ea"/>
+              <a:buAutoNum type="circleNumDbPlain"/>
+              <a:defRPr/>
+            </a:pPr>
+            <a:r>
+              <a:rPr lang="en-US" altLang="ko-KR" sz="1200"/>
+              <a:t>50</a:t>
+            </a:r>
+            <a:r>
+              <a:rPr lang="ko-KR" altLang="en-US" sz="1200"/>
+              <a:t>대 이상</a:t>
+            </a:r>
+            <a:endParaRPr lang="ko-KR" altLang="en-US" sz="1200"/>
+          </a:p>
+          <a:p>
+            <a:pPr marL="800100" lvl="1" indent="-342900">
+              <a:buFont typeface="+mj-ea"/>
+              <a:buAutoNum type="circleNumDbPlain"/>
+              <a:defRPr/>
+            </a:pPr>
+            <a:endParaRPr lang="ko-KR" altLang="en-US" sz="1200"/>
           </a:p>
         </p:txBody>
       </p:sp>
@@ -5048,48 +5088,56 @@
   <p:clrMapOvr>
     <a:masterClrMapping/>
   </p:clrMapOvr>
+  <mc:AlternateContent xmlns:mc="http://schemas.openxmlformats.org/markup-compatibility/2006">
+    <mc:Choice xmlns:p14="http://schemas.microsoft.com/office/powerpoint/2010/main" Requires="p14">
+      <p:transition xmlns:mc="http://schemas.openxmlformats.org/markup-compatibility/2006" xmlns:p14="http://schemas.microsoft.com/office/powerpoint/2010/main" mc:Ignorable="p14" p14:dur="500"/>
+    </mc:Choice>
+    <mc:Fallback>
+      <p:transition/>
+    </mc:Fallback>
+  </mc:AlternateContent>
 </p:sld>
 </file>
 
 <file path=ppt/theme/theme1.xml><?xml version="1.0" encoding="utf-8"?>
-<a:theme xmlns:a="http://schemas.openxmlformats.org/drawingml/2006/main" name="Office 테마">
+<a:theme xmlns:r="http://schemas.openxmlformats.org/officeDocument/2006/relationships" xmlns:c="http://schemas.openxmlformats.org/drawingml/2006/chart" xmlns:dgm="http://schemas.openxmlformats.org/drawingml/2006/diagram" xmlns:dsp="http://schemas.microsoft.com/office/drawing/2008/diagram" xmlns:a="http://schemas.openxmlformats.org/drawingml/2006/main" xmlns:pic="http://schemas.openxmlformats.org/drawingml/2006/picture" xmlns:wp="http://schemas.openxmlformats.org/drawingml/2006/wordprocessingDrawing" xmlns:xdr="http://schemas.openxmlformats.org/drawingml/2006/spreadsheetDrawing" xmlns:lc="http://schemas.openxmlformats.org/drawingml/2006/lockedCanvas" xmlns:p="http://schemas.openxmlformats.org/presentationml/2006/main" name="Office 테마">
   <a:themeElements>
     <a:clrScheme name="Office">
       <a:dk1>
         <a:sysClr val="windowText" lastClr="000000"/>
       </a:dk1>
       <a:lt1>
-        <a:sysClr val="window" lastClr="FFFFFF"/>
+        <a:sysClr val="window" lastClr="ffffff"/>
       </a:lt1>
       <a:dk2>
-        <a:srgbClr val="44546A"/>
+        <a:srgbClr val="44546a"/>
       </a:dk2>
       <a:lt2>
-        <a:srgbClr val="E7E6E6"/>
+        <a:srgbClr val="e7e6e6"/>
       </a:lt2>
       <a:accent1>
-        <a:srgbClr val="4472C4"/>
+        <a:srgbClr val="4472c4"/>
       </a:accent1>
       <a:accent2>
-        <a:srgbClr val="ED7D31"/>
+        <a:srgbClr val="ed7d31"/>
       </a:accent2>
       <a:accent3>
-        <a:srgbClr val="A5A5A5"/>
+        <a:srgbClr val="a5a5a5"/>
       </a:accent3>
       <a:accent4>
-        <a:srgbClr val="FFC000"/>
+        <a:srgbClr val="ffc000"/>
       </a:accent4>
       <a:accent5>
-        <a:srgbClr val="5B9BD5"/>
+        <a:srgbClr val="5b9bd5"/>
       </a:accent5>
       <a:accent6>
-        <a:srgbClr val="70AD47"/>
+        <a:srgbClr val="70ad47"/>
       </a:accent6>
       <a:hlink>
-        <a:srgbClr val="0563C1"/>
+        <a:srgbClr val="0563c1"/>
       </a:hlink>
       <a:folHlink>
-        <a:srgbClr val="954F72"/>
+        <a:srgbClr val="954f72"/>
       </a:folHlink>
     </a:clrScheme>
     <a:fontScheme name="Office">
@@ -5097,7 +5145,7 @@
         <a:latin typeface="맑은 고딕" panose="020F0302020204030204"/>
         <a:ea typeface=""/>
         <a:cs typeface=""/>
-        <a:font script="Jpan" typeface="游ゴシック Light"/>
+        <a:font script="Jpan" typeface="Yu Gothic Light"/>
         <a:font script="Hang" typeface="맑은 고딕"/>
         <a:font script="Hans" typeface="等线 Light"/>
         <a:font script="Hant" typeface="新細明體"/>
@@ -5149,7 +5197,7 @@
         <a:latin typeface="맑은 고딕" panose="020F0502020204030204"/>
         <a:ea typeface=""/>
         <a:cs typeface=""/>
-        <a:font script="Jpan" typeface="游ゴシック"/>
+        <a:font script="Jpan" typeface="Yu Gothic"/>
         <a:font script="Hang" typeface="맑은 고딕"/>
         <a:font script="Hans" typeface="等线"/>
         <a:font script="Hant" typeface="新細明體"/>
@@ -5262,21 +5310,21 @@
             <a:schemeClr val="phClr"/>
           </a:solidFill>
           <a:prstDash val="solid"/>
-          <a:miter lim="800000"/>
+          <a:miter/>
         </a:ln>
         <a:ln w="12700" cap="flat" cmpd="sng" algn="ctr">
           <a:solidFill>
             <a:schemeClr val="phClr"/>
           </a:solidFill>
           <a:prstDash val="solid"/>
-          <a:miter lim="800000"/>
+          <a:miter/>
         </a:ln>
         <a:ln w="19050" cap="flat" cmpd="sng" algn="ctr">
           <a:solidFill>
             <a:schemeClr val="phClr"/>
           </a:solidFill>
           <a:prstDash val="solid"/>
-          <a:miter lim="800000"/>
+          <a:miter/>
         </a:ln>
       </a:lnStyleLst>
       <a:effectStyleLst>
@@ -5336,12 +5384,5 @@
       </a:bgFillStyleLst>
     </a:fmtScheme>
   </a:themeElements>
-  <a:objectDefaults/>
-  <a:extraClrSchemeLst/>
-  <a:extLst>
-    <a:ext uri="{05A4C25C-085E-4340-85A3-A5531E510DB2}">
-      <thm15:themeFamily xmlns:thm15="http://schemas.microsoft.com/office/thememl/2012/main" name="Office Theme" id="{62F939B6-93AF-4DB8-9C6B-D6C7DFDC589F}" vid="{4A3C46E8-61CC-4603-A589-7422A47A8E4A}"/>
-    </a:ext>
-  </a:extLst>
 </a:theme>
 </file>
--- a/사용자리서치_정재녕.pptx
+++ b/사용자리서치_정재녕.pptx
@@ -1,6 +1,6 @@
 
 <file path=ppt/presentation.xml><?xml version="1.0" encoding="utf-8"?>
-<p:presentation xmlns:r="http://schemas.openxmlformats.org/officeDocument/2006/relationships" xmlns:c="http://schemas.openxmlformats.org/drawingml/2006/chart" xmlns:a="http://schemas.openxmlformats.org/drawingml/2006/main" xmlns:dgm="http://schemas.openxmlformats.org/drawingml/2006/diagram" xmlns:dsp="http://schemas.microsoft.com/office/drawing/2008/diagram" xmlns:p="http://schemas.openxmlformats.org/presentationml/2006/main">
+<p:presentation xmlns:a="http://schemas.openxmlformats.org/drawingml/2006/main" xmlns:r="http://schemas.openxmlformats.org/officeDocument/2006/relationships" xmlns:p="http://schemas.openxmlformats.org/presentationml/2006/main">
   <p:sldMasterIdLst>
     <p:sldMasterId id="2147483648" r:id="rId1"/>
   </p:sldMasterIdLst>
@@ -10,6 +10,9 @@
     <p:sldId id="258" r:id="rId4"/>
     <p:sldId id="259" r:id="rId5"/>
     <p:sldId id="260" r:id="rId6"/>
+    <p:sldId id="261" r:id="rId7"/>
+    <p:sldId id="262" r:id="rId8"/>
+    <p:sldId id="263" r:id="rId9"/>
   </p:sldIdLst>
   <p:sldSz cx="12192000" cy="6858000"/>
   <p:notesSz cx="6858000" cy="9144000"/>
@@ -108,6 +111,11 @@
       </a:defRPr>
     </a:lvl9pPr>
   </p:defaultTextStyle>
+  <p:extLst>
+    <p:ext uri="{EFAFB233-063F-42B5-8137-9DF3F51BA10A}">
+      <p15:sldGuideLst xmlns:p15="http://schemas.microsoft.com/office/powerpoint/2012/main"/>
+    </p:ext>
+  </p:extLst>
 </p:presentation>
 </file>
 
@@ -258,7 +266,7 @@
           <a:p>
             <a:fld id="{0CA0F14F-F896-40B5-ABD8-D2E6445B63F9}" type="datetimeFigureOut">
               <a:rPr lang="ko-KR" altLang="en-US" smtClean="0"/>
-              <a:t>2025-04-17</a:t>
+              <a:t>2025-04-18</a:t>
             </a:fld>
             <a:endParaRPr lang="ko-KR" altLang="en-US"/>
           </a:p>
@@ -456,7 +464,7 @@
           <a:p>
             <a:fld id="{0CA0F14F-F896-40B5-ABD8-D2E6445B63F9}" type="datetimeFigureOut">
               <a:rPr lang="ko-KR" altLang="en-US" smtClean="0"/>
-              <a:t>2025-04-17</a:t>
+              <a:t>2025-04-18</a:t>
             </a:fld>
             <a:endParaRPr lang="ko-KR" altLang="en-US"/>
           </a:p>
@@ -664,7 +672,7 @@
           <a:p>
             <a:fld id="{0CA0F14F-F896-40B5-ABD8-D2E6445B63F9}" type="datetimeFigureOut">
               <a:rPr lang="ko-KR" altLang="en-US" smtClean="0"/>
-              <a:t>2025-04-17</a:t>
+              <a:t>2025-04-18</a:t>
             </a:fld>
             <a:endParaRPr lang="ko-KR" altLang="en-US"/>
           </a:p>
@@ -862,7 +870,7 @@
           <a:p>
             <a:fld id="{0CA0F14F-F896-40B5-ABD8-D2E6445B63F9}" type="datetimeFigureOut">
               <a:rPr lang="ko-KR" altLang="en-US" smtClean="0"/>
-              <a:t>2025-04-17</a:t>
+              <a:t>2025-04-18</a:t>
             </a:fld>
             <a:endParaRPr lang="ko-KR" altLang="en-US"/>
           </a:p>
@@ -1137,7 +1145,7 @@
           <a:p>
             <a:fld id="{0CA0F14F-F896-40B5-ABD8-D2E6445B63F9}" type="datetimeFigureOut">
               <a:rPr lang="ko-KR" altLang="en-US" smtClean="0"/>
-              <a:t>2025-04-17</a:t>
+              <a:t>2025-04-18</a:t>
             </a:fld>
             <a:endParaRPr lang="ko-KR" altLang="en-US"/>
           </a:p>
@@ -1402,7 +1410,7 @@
           <a:p>
             <a:fld id="{0CA0F14F-F896-40B5-ABD8-D2E6445B63F9}" type="datetimeFigureOut">
               <a:rPr lang="ko-KR" altLang="en-US" smtClean="0"/>
-              <a:t>2025-04-17</a:t>
+              <a:t>2025-04-18</a:t>
             </a:fld>
             <a:endParaRPr lang="ko-KR" altLang="en-US"/>
           </a:p>
@@ -1814,7 +1822,7 @@
           <a:p>
             <a:fld id="{0CA0F14F-F896-40B5-ABD8-D2E6445B63F9}" type="datetimeFigureOut">
               <a:rPr lang="ko-KR" altLang="en-US" smtClean="0"/>
-              <a:t>2025-04-17</a:t>
+              <a:t>2025-04-18</a:t>
             </a:fld>
             <a:endParaRPr lang="ko-KR" altLang="en-US"/>
           </a:p>
@@ -1955,7 +1963,7 @@
           <a:p>
             <a:fld id="{0CA0F14F-F896-40B5-ABD8-D2E6445B63F9}" type="datetimeFigureOut">
               <a:rPr lang="ko-KR" altLang="en-US" smtClean="0"/>
-              <a:t>2025-04-17</a:t>
+              <a:t>2025-04-18</a:t>
             </a:fld>
             <a:endParaRPr lang="ko-KR" altLang="en-US"/>
           </a:p>
@@ -2068,7 +2076,7 @@
           <a:p>
             <a:fld id="{0CA0F14F-F896-40B5-ABD8-D2E6445B63F9}" type="datetimeFigureOut">
               <a:rPr lang="ko-KR" altLang="en-US" smtClean="0"/>
-              <a:t>2025-04-17</a:t>
+              <a:t>2025-04-18</a:t>
             </a:fld>
             <a:endParaRPr lang="ko-KR" altLang="en-US"/>
           </a:p>
@@ -2379,7 +2387,7 @@
           <a:p>
             <a:fld id="{0CA0F14F-F896-40B5-ABD8-D2E6445B63F9}" type="datetimeFigureOut">
               <a:rPr lang="ko-KR" altLang="en-US" smtClean="0"/>
-              <a:t>2025-04-17</a:t>
+              <a:t>2025-04-18</a:t>
             </a:fld>
             <a:endParaRPr lang="ko-KR" altLang="en-US"/>
           </a:p>
@@ -2667,7 +2675,7 @@
           <a:p>
             <a:fld id="{0CA0F14F-F896-40B5-ABD8-D2E6445B63F9}" type="datetimeFigureOut">
               <a:rPr lang="ko-KR" altLang="en-US" smtClean="0"/>
-              <a:t>2025-04-17</a:t>
+              <a:t>2025-04-18</a:t>
             </a:fld>
             <a:endParaRPr lang="ko-KR" altLang="en-US"/>
           </a:p>
@@ -2908,7 +2916,7 @@
           <a:p>
             <a:fld id="{0CA0F14F-F896-40B5-ABD8-D2E6445B63F9}" type="datetimeFigureOut">
               <a:rPr lang="ko-KR" altLang="en-US" smtClean="0"/>
-              <a:t>2025-04-17</a:t>
+              <a:t>2025-04-18</a:t>
             </a:fld>
             <a:endParaRPr lang="ko-KR" altLang="en-US"/>
           </a:p>
@@ -3441,11 +3449,13 @@
         </p:nvSpPr>
         <p:spPr/>
         <p:txBody>
-          <a:bodyPr/>
-          <a:lstStyle/>
-          <a:p>
-            <a:r>
-              <a:rPr lang="ko-KR" altLang="en-US" dirty="0"/>
+          <a:bodyPr>
+            <a:normAutofit/>
+          </a:bodyPr>
+          <a:lstStyle/>
+          <a:p>
+            <a:r>
+              <a:rPr lang="ko-KR" altLang="en-US" sz="3600" dirty="0"/>
               <a:t>웹사이트 주요사용자 설정 및 방문 목적</a:t>
             </a:r>
           </a:p>
@@ -3470,7 +3480,7 @@
         <p:spPr/>
         <p:txBody>
           <a:bodyPr>
-            <a:normAutofit fontScale="70000" lnSpcReduction="20000"/>
+            <a:normAutofit fontScale="62500" lnSpcReduction="20000"/>
           </a:bodyPr>
           <a:lstStyle/>
           <a:p>
@@ -3487,42 +3497,7 @@
                 <a:spcPct val="170000"/>
               </a:lnSpc>
             </a:pPr>
-            <a:r>
-              <a:rPr lang="ko-KR" altLang="en-US" sz="1400" dirty="0" err="1"/>
-              <a:t>체성분</a:t>
-            </a:r>
-            <a:r>
-              <a:rPr lang="ko-KR" altLang="en-US" sz="1400" dirty="0"/>
-              <a:t> 측정을 자주할수록 체중 및 체지방이 많이 빠지는 것으로 나타났다</a:t>
-            </a:r>
-            <a:r>
-              <a:rPr lang="en-US" altLang="ko-KR" sz="1400" dirty="0"/>
-              <a:t>.(</a:t>
-            </a:r>
-            <a:r>
-              <a:rPr lang="ko-KR" altLang="en-US" sz="1400" dirty="0"/>
-              <a:t>주 </a:t>
-            </a:r>
-            <a:r>
-              <a:rPr lang="en-US" altLang="ko-KR" sz="1400" dirty="0"/>
-              <a:t>1</a:t>
-            </a:r>
-            <a:r>
-              <a:rPr lang="ko-KR" altLang="en-US" sz="1400" dirty="0"/>
-              <a:t>회 이상 측정 사용자 평균 </a:t>
-            </a:r>
-            <a:r>
-              <a:rPr lang="en-US" altLang="ko-KR" sz="1400" dirty="0"/>
-              <a:t>2.7% </a:t>
-            </a:r>
-            <a:r>
-              <a:rPr lang="ko-KR" altLang="en-US" sz="1400" dirty="0"/>
-              <a:t>체지방률 감소</a:t>
-            </a:r>
-            <a:r>
-              <a:rPr lang="en-US" altLang="ko-KR" sz="1400" dirty="0"/>
-              <a:t>)</a:t>
-            </a:r>
+            <a:endParaRPr lang="en-US" altLang="ko-KR" sz="1400" dirty="0"/>
           </a:p>
           <a:p>
             <a:pPr>
@@ -3532,17 +3507,20 @@
             </a:pPr>
             <a:r>
               <a:rPr lang="ko-KR" altLang="en-US" sz="1400" dirty="0"/>
-              <a:t>특히 체중 및 건강관리를 목적으로 </a:t>
-            </a:r>
-            <a:r>
-              <a:rPr lang="ko-KR" altLang="en-US" sz="1400" dirty="0" err="1"/>
-              <a:t>인바디다이얼을</a:t>
+              <a:t>의료분야가 치료 중심에서 예방</a:t>
+            </a:r>
+            <a:r>
+              <a:rPr lang="en-US" altLang="ko-KR" sz="1400" dirty="0"/>
+              <a:t>‧</a:t>
             </a:r>
             <a:r>
               <a:rPr lang="ko-KR" altLang="en-US" sz="1400" dirty="0"/>
-              <a:t> 많이 구입</a:t>
-            </a:r>
-            <a:endParaRPr lang="en-US" altLang="ko-KR" sz="1400" dirty="0"/>
+              <a:t>관리 중심으로 패러다임이 변화하고 있는 가운데 건강관리에 있어 ‘체성분분석기기’ 의 중요성이 더 강화될 것이라는 전망이 나오고 있음</a:t>
+            </a:r>
+            <a:r>
+              <a:rPr lang="en-US" altLang="ko-KR" sz="1400" dirty="0"/>
+              <a:t>.</a:t>
+            </a:r>
           </a:p>
           <a:p>
             <a:pPr>
@@ -3552,88 +3530,41 @@
             </a:pPr>
             <a:r>
               <a:rPr lang="ko-KR" altLang="en-US" sz="1400" dirty="0"/>
-              <a:t>지난 </a:t>
+              <a:t>의료분야가 디지털 헬스케어</a:t>
             </a:r>
             <a:r>
               <a:rPr lang="en-US" altLang="ko-KR" sz="1400" dirty="0"/>
-              <a:t>2012</a:t>
+              <a:t>, </a:t>
             </a:r>
             <a:r>
               <a:rPr lang="ko-KR" altLang="en-US" sz="1400" dirty="0"/>
-              <a:t>년 하반기부터 현재까지 약 </a:t>
+              <a:t>의료시스템</a:t>
             </a:r>
             <a:r>
               <a:rPr lang="en-US" altLang="ko-KR" sz="1400" dirty="0"/>
-              <a:t>2</a:t>
+              <a:t>, </a:t>
             </a:r>
             <a:r>
               <a:rPr lang="ko-KR" altLang="en-US" sz="1400" dirty="0"/>
-              <a:t>년간 </a:t>
-            </a:r>
-            <a:r>
-              <a:rPr lang="ko-KR" altLang="en-US" sz="1400" dirty="0" err="1"/>
-              <a:t>인바디다이얼로</a:t>
+              <a:t>정밀의료</a:t>
+            </a:r>
+            <a:r>
+              <a:rPr lang="en-US" altLang="ko-KR" sz="1400" dirty="0"/>
+              <a:t> </a:t>
             </a:r>
             <a:r>
               <a:rPr lang="ko-KR" altLang="en-US" sz="1400" dirty="0"/>
-              <a:t> </a:t>
+              <a:t>기술 등의 발전 및 만성질환 관리 강화의 중요성이 대두되며 질병 치료 중심에서 사전 진단</a:t>
             </a:r>
             <a:r>
               <a:rPr lang="en-US" altLang="ko-KR" sz="1400" dirty="0"/>
-              <a:t>2</a:t>
+              <a:t>, </a:t>
             </a:r>
             <a:r>
               <a:rPr lang="ko-KR" altLang="en-US" sz="1400" dirty="0"/>
-              <a:t>회 이상 </a:t>
-            </a:r>
-            <a:r>
-              <a:rPr lang="ko-KR" altLang="en-US" sz="1400" dirty="0" err="1"/>
-              <a:t>체성분</a:t>
-            </a:r>
-            <a:r>
-              <a:rPr lang="ko-KR" altLang="en-US" sz="1400" dirty="0"/>
-              <a:t> 측정을 한 사용자들의 데이트 </a:t>
-            </a:r>
-            <a:r>
-              <a:rPr lang="en-US" altLang="ko-KR" sz="1400" dirty="0"/>
-              <a:t>10</a:t>
-            </a:r>
-            <a:r>
-              <a:rPr lang="ko-KR" altLang="en-US" sz="1400" dirty="0" err="1"/>
-              <a:t>만여</a:t>
-            </a:r>
-            <a:r>
-              <a:rPr lang="ko-KR" altLang="en-US" sz="1400" dirty="0"/>
-              <a:t> 개를 분석한 결과</a:t>
-            </a:r>
-            <a:r>
-              <a:rPr lang="en-US" altLang="ko-KR" sz="1400" dirty="0"/>
-              <a:t>, 3040 </a:t>
-            </a:r>
-            <a:r>
-              <a:rPr lang="ko-KR" altLang="en-US" sz="1400" dirty="0"/>
-              <a:t>여성이 </a:t>
-            </a:r>
-            <a:r>
-              <a:rPr lang="en-US" altLang="ko-KR" sz="1400" dirty="0"/>
-              <a:t>52.6%</a:t>
-            </a:r>
-            <a:r>
-              <a:rPr lang="ko-KR" altLang="en-US" sz="1400" dirty="0"/>
-              <a:t>로 </a:t>
-            </a:r>
-            <a:r>
-              <a:rPr lang="ko-KR" altLang="en-US" sz="1400" dirty="0" err="1"/>
-              <a:t>인바디</a:t>
-            </a:r>
-            <a:r>
-              <a:rPr lang="ko-KR" altLang="en-US" sz="1400" dirty="0"/>
-              <a:t> 검사를 가장 많이 하는 것으로 나타났다</a:t>
-            </a:r>
-            <a:r>
-              <a:rPr lang="en-US" altLang="ko-KR" sz="1400" dirty="0"/>
-              <a:t>.</a:t>
-            </a:r>
+              <a:t>예방을 비롯한 맞춤형 건강관리 서비스가 주목받고 있는 추세</a:t>
+            </a:r>
+            <a:endParaRPr lang="en-US" altLang="ko-KR" sz="1400" dirty="0"/>
           </a:p>
           <a:p>
             <a:pPr>
@@ -3643,76 +3574,17 @@
             </a:pPr>
             <a:r>
               <a:rPr lang="ko-KR" altLang="en-US" sz="1400" dirty="0"/>
-              <a:t>성별로는 여성</a:t>
-            </a:r>
-            <a:r>
-              <a:rPr lang="en-US" altLang="ko-KR" sz="1400" dirty="0"/>
-              <a:t>(71%)</a:t>
+              <a:t>특히 체중 및 건강관리를 목적으로 </a:t>
+            </a:r>
+            <a:r>
+              <a:rPr lang="ko-KR" altLang="en-US" sz="1400" dirty="0" err="1"/>
+              <a:t>인바디</a:t>
             </a:r>
             <a:r>
               <a:rPr lang="ko-KR" altLang="en-US" sz="1400" dirty="0"/>
-              <a:t>이 남성</a:t>
-            </a:r>
-            <a:r>
-              <a:rPr lang="en-US" altLang="ko-KR" sz="1400" dirty="0"/>
-              <a:t>(29%)</a:t>
-            </a:r>
-            <a:r>
-              <a:rPr lang="ko-KR" altLang="en-US" sz="1400" dirty="0"/>
-              <a:t>보다 많았으며</a:t>
-            </a:r>
-            <a:r>
-              <a:rPr lang="en-US" altLang="ko-KR" sz="1400" dirty="0"/>
-              <a:t>, </a:t>
-            </a:r>
-            <a:r>
-              <a:rPr lang="ko-KR" altLang="en-US" sz="1400" dirty="0"/>
-              <a:t>연령대별로는 </a:t>
-            </a:r>
-            <a:r>
-              <a:rPr lang="en-US" altLang="ko-KR" sz="1400" dirty="0"/>
-              <a:t>30</a:t>
-            </a:r>
-            <a:r>
-              <a:rPr lang="ko-KR" altLang="en-US" sz="1400" dirty="0"/>
-              <a:t>대</a:t>
-            </a:r>
-            <a:r>
-              <a:rPr lang="en-US" altLang="ko-KR" sz="1400" dirty="0"/>
-              <a:t>(42%)</a:t>
-            </a:r>
-            <a:r>
-              <a:rPr lang="ko-KR" altLang="en-US" sz="1400" dirty="0"/>
-              <a:t>가 가장 많고 </a:t>
-            </a:r>
-            <a:r>
-              <a:rPr lang="en-US" altLang="ko-KR" sz="1400" dirty="0"/>
-              <a:t>40</a:t>
-            </a:r>
-            <a:r>
-              <a:rPr lang="ko-KR" altLang="en-US" sz="1400" dirty="0"/>
-              <a:t>대</a:t>
-            </a:r>
-            <a:r>
-              <a:rPr lang="en-US" altLang="ko-KR" sz="1400" dirty="0"/>
-              <a:t>(28%), 20</a:t>
-            </a:r>
-            <a:r>
-              <a:rPr lang="ko-KR" altLang="en-US" sz="1400" dirty="0"/>
-              <a:t>대</a:t>
-            </a:r>
-            <a:r>
-              <a:rPr lang="en-US" altLang="ko-KR" sz="1400" dirty="0"/>
-              <a:t>(19%) </a:t>
-            </a:r>
-            <a:r>
-              <a:rPr lang="ko-KR" altLang="en-US" sz="1400" dirty="0"/>
-              <a:t>순이었다</a:t>
-            </a:r>
-            <a:r>
-              <a:rPr lang="en-US" altLang="ko-KR" sz="1400" dirty="0"/>
-              <a:t>.</a:t>
-            </a:r>
+              <a:t> 다이얼을 많이 구입</a:t>
+            </a:r>
+            <a:endParaRPr lang="en-US" altLang="ko-KR" sz="1400" dirty="0"/>
           </a:p>
           <a:p>
             <a:pPr>
@@ -3721,6 +3593,176 @@
               </a:lnSpc>
             </a:pPr>
             <a:r>
+              <a:rPr lang="ko-KR" altLang="en-US" sz="1400" dirty="0"/>
+              <a:t>지난 </a:t>
+            </a:r>
+            <a:r>
+              <a:rPr lang="en-US" altLang="ko-KR" sz="1400" dirty="0"/>
+              <a:t>2012</a:t>
+            </a:r>
+            <a:r>
+              <a:rPr lang="ko-KR" altLang="en-US" sz="1400" dirty="0"/>
+              <a:t>년 하반기부터 현재까지 약 </a:t>
+            </a:r>
+            <a:r>
+              <a:rPr lang="en-US" altLang="ko-KR" sz="1400" dirty="0"/>
+              <a:t>2</a:t>
+            </a:r>
+            <a:r>
+              <a:rPr lang="ko-KR" altLang="en-US" sz="1400" dirty="0"/>
+              <a:t>년간 </a:t>
+            </a:r>
+            <a:r>
+              <a:rPr lang="ko-KR" altLang="en-US" sz="1400" dirty="0" err="1"/>
+              <a:t>인바디</a:t>
+            </a:r>
+            <a:r>
+              <a:rPr lang="ko-KR" altLang="en-US" sz="1400" dirty="0"/>
+              <a:t> 다이얼로 </a:t>
+            </a:r>
+            <a:r>
+              <a:rPr lang="en-US" altLang="ko-KR" sz="1400" dirty="0"/>
+              <a:t>2</a:t>
+            </a:r>
+            <a:r>
+              <a:rPr lang="ko-KR" altLang="en-US" sz="1400" dirty="0"/>
+              <a:t>회 이상 </a:t>
+            </a:r>
+            <a:r>
+              <a:rPr lang="ko-KR" altLang="en-US" sz="1400" dirty="0" err="1"/>
+              <a:t>체성분</a:t>
+            </a:r>
+            <a:r>
+              <a:rPr lang="ko-KR" altLang="en-US" sz="1400" dirty="0"/>
+              <a:t> 측정을 한 사용자들의 데이트 </a:t>
+            </a:r>
+            <a:r>
+              <a:rPr lang="en-US" altLang="ko-KR" sz="1400" dirty="0"/>
+              <a:t>10</a:t>
+            </a:r>
+            <a:r>
+              <a:rPr lang="ko-KR" altLang="en-US" sz="1400" dirty="0" err="1"/>
+              <a:t>만여</a:t>
+            </a:r>
+            <a:r>
+              <a:rPr lang="ko-KR" altLang="en-US" sz="1400" dirty="0"/>
+              <a:t> 개를 분석한 결과</a:t>
+            </a:r>
+            <a:r>
+              <a:rPr lang="en-US" altLang="ko-KR" sz="1400" dirty="0"/>
+              <a:t>, 3040 </a:t>
+            </a:r>
+            <a:r>
+              <a:rPr lang="ko-KR" altLang="en-US" sz="1400" dirty="0"/>
+              <a:t>여성이 </a:t>
+            </a:r>
+            <a:r>
+              <a:rPr lang="en-US" altLang="ko-KR" sz="1400" dirty="0"/>
+              <a:t>52.6%</a:t>
+            </a:r>
+            <a:r>
+              <a:rPr lang="ko-KR" altLang="en-US" sz="1400" dirty="0"/>
+              <a:t>로 </a:t>
+            </a:r>
+            <a:r>
+              <a:rPr lang="ko-KR" altLang="en-US" sz="1400" dirty="0" err="1"/>
+              <a:t>인바디</a:t>
+            </a:r>
+            <a:r>
+              <a:rPr lang="ko-KR" altLang="en-US" sz="1400" dirty="0"/>
+              <a:t> 검사를 가장 많이 하는 것으로 나타났다</a:t>
+            </a:r>
+            <a:r>
+              <a:rPr lang="en-US" altLang="ko-KR" sz="1400" dirty="0"/>
+              <a:t>.</a:t>
+            </a:r>
+          </a:p>
+          <a:p>
+            <a:pPr>
+              <a:lnSpc>
+                <a:spcPct val="170000"/>
+              </a:lnSpc>
+            </a:pPr>
+            <a:r>
+              <a:rPr lang="ko-KR" altLang="en-US" sz="1400" dirty="0"/>
+              <a:t>성별로는 여성</a:t>
+            </a:r>
+            <a:r>
+              <a:rPr lang="en-US" altLang="ko-KR" sz="1400" dirty="0"/>
+              <a:t>(71%)</a:t>
+            </a:r>
+            <a:r>
+              <a:rPr lang="ko-KR" altLang="en-US" sz="1400" dirty="0"/>
+              <a:t>이 남성</a:t>
+            </a:r>
+            <a:r>
+              <a:rPr lang="en-US" altLang="ko-KR" sz="1400" dirty="0"/>
+              <a:t>(29%)</a:t>
+            </a:r>
+            <a:r>
+              <a:rPr lang="ko-KR" altLang="en-US" sz="1400" dirty="0"/>
+              <a:t>보다 많았으며</a:t>
+            </a:r>
+            <a:r>
+              <a:rPr lang="en-US" altLang="ko-KR" sz="1400" dirty="0"/>
+              <a:t>, </a:t>
+            </a:r>
+            <a:r>
+              <a:rPr lang="ko-KR" altLang="en-US" sz="1400" dirty="0"/>
+              <a:t>연령대별로는 </a:t>
+            </a:r>
+            <a:r>
+              <a:rPr lang="en-US" altLang="ko-KR" sz="1400" dirty="0"/>
+              <a:t>30</a:t>
+            </a:r>
+            <a:r>
+              <a:rPr lang="ko-KR" altLang="en-US" sz="1400" dirty="0"/>
+              <a:t>대</a:t>
+            </a:r>
+            <a:r>
+              <a:rPr lang="en-US" altLang="ko-KR" sz="1400" dirty="0"/>
+              <a:t>(42%)</a:t>
+            </a:r>
+            <a:r>
+              <a:rPr lang="ko-KR" altLang="en-US" sz="1400" dirty="0"/>
+              <a:t>가 가장 많고 </a:t>
+            </a:r>
+            <a:r>
+              <a:rPr lang="en-US" altLang="ko-KR" sz="1400" dirty="0"/>
+              <a:t>40</a:t>
+            </a:r>
+            <a:r>
+              <a:rPr lang="ko-KR" altLang="en-US" sz="1400" dirty="0"/>
+              <a:t>대</a:t>
+            </a:r>
+            <a:r>
+              <a:rPr lang="en-US" altLang="ko-KR" sz="1400" dirty="0"/>
+              <a:t>(28%), 20</a:t>
+            </a:r>
+            <a:r>
+              <a:rPr lang="ko-KR" altLang="en-US" sz="1400" dirty="0"/>
+              <a:t>대</a:t>
+            </a:r>
+            <a:r>
+              <a:rPr lang="en-US" altLang="ko-KR" sz="1400" dirty="0"/>
+              <a:t>(19%) </a:t>
+            </a:r>
+            <a:r>
+              <a:rPr lang="ko-KR" altLang="en-US" sz="1400" dirty="0"/>
+              <a:t>순이었다</a:t>
+            </a:r>
+            <a:r>
+              <a:rPr lang="en-US" altLang="ko-KR" sz="1400" dirty="0"/>
+              <a:t>.</a:t>
+            </a:r>
+          </a:p>
+          <a:p>
+            <a:pPr>
+              <a:lnSpc>
+                <a:spcPct val="170000"/>
+              </a:lnSpc>
+            </a:pPr>
+            <a:r>
               <a:rPr lang="ko-KR" altLang="en-US" sz="1400" dirty="0" err="1"/>
               <a:t>인바디다이얼로</a:t>
             </a:r>
@@ -3777,7 +3819,7 @@
         <p:spPr/>
         <p:txBody>
           <a:bodyPr>
-            <a:normAutofit fontScale="70000" lnSpcReduction="20000"/>
+            <a:normAutofit fontScale="62500" lnSpcReduction="20000"/>
           </a:bodyPr>
           <a:lstStyle/>
           <a:p>
@@ -3801,7 +3843,7 @@
             </a:pPr>
             <a:r>
               <a:rPr lang="en-US" altLang="ko-KR" sz="1600" dirty="0"/>
-              <a:t>20~40</a:t>
+              <a:t>20~30</a:t>
             </a:r>
             <a:r>
               <a:rPr lang="ko-KR" altLang="en-US" sz="1600" dirty="0"/>
@@ -3835,8 +3877,12 @@
               </a:lnSpc>
             </a:pPr>
             <a:r>
-              <a:rPr lang="ko-KR" altLang="en-US" sz="1600" dirty="0"/>
-              <a:t>가정에서 체성분을 측정하고 관리하고 싶은 사람들</a:t>
+              <a:rPr lang="en-US" altLang="ko-KR" sz="1600" dirty="0"/>
+              <a:t>40~60</a:t>
+            </a:r>
+            <a:r>
+              <a:rPr lang="ko-KR" altLang="en-US" sz="1600" dirty="0"/>
+              <a:t>대의 건강관리 및 만성질환 관리 및 예방을 하고 싶은 중장년층</a:t>
             </a:r>
             <a:endParaRPr lang="en-US" altLang="ko-KR" sz="1600" dirty="0"/>
           </a:p>
@@ -3848,7 +3894,7 @@
             </a:pPr>
             <a:r>
               <a:rPr lang="ko-KR" altLang="en-US" sz="1600" dirty="0"/>
-              <a:t>건강검진 결과와 연동하여 종합적인 건강관리를 하고 싶은 사람들 </a:t>
+              <a:t>가정에서 체성분을 측정하고 관리하고 싶은 사람들</a:t>
             </a:r>
             <a:endParaRPr lang="en-US" altLang="ko-KR" sz="1600" dirty="0"/>
           </a:p>
@@ -3859,12 +3905,8 @@
               </a:lnSpc>
             </a:pPr>
             <a:r>
-              <a:rPr lang="ko-KR" altLang="en-US" sz="1600" dirty="0" err="1"/>
-              <a:t>체성분</a:t>
-            </a:r>
-            <a:r>
-              <a:rPr lang="ko-KR" altLang="en-US" sz="1600" dirty="0"/>
-              <a:t> 변화를 한눈에 확인하고 싶은 사람들 </a:t>
+              <a:rPr lang="ko-KR" altLang="en-US" sz="1600" dirty="0"/>
+              <a:t>건강검진 결과와 연동하여 종합적인 건강관리를 하고 싶은 사람들 </a:t>
             </a:r>
             <a:endParaRPr lang="en-US" altLang="ko-KR" sz="1600" dirty="0"/>
           </a:p>
@@ -3875,8 +3917,12 @@
               </a:lnSpc>
             </a:pPr>
             <a:r>
-              <a:rPr lang="ko-KR" altLang="en-US" sz="1600" dirty="0"/>
-              <a:t>전문가용 기기</a:t>
+              <a:rPr lang="ko-KR" altLang="en-US" sz="1600" dirty="0" err="1"/>
+              <a:t>체성분</a:t>
+            </a:r>
+            <a:r>
+              <a:rPr lang="ko-KR" altLang="en-US" sz="1600" dirty="0"/>
+              <a:t> 변화를 한눈에 확인하고 싶은 사람들</a:t>
             </a:r>
             <a:r>
               <a:rPr lang="en-US" altLang="ko-KR" sz="1600" dirty="0"/>
@@ -3892,7 +3938,7 @@
             </a:r>
             <a:r>
               <a:rPr lang="ko-KR" altLang="en-US" sz="1600" dirty="0"/>
-              <a:t>피트니스</a:t>
+              <a:t>운동센터</a:t>
             </a:r>
             <a:r>
               <a:rPr lang="en-US" altLang="ko-KR" sz="1600" dirty="0"/>
@@ -3900,25 +3946,12 @@
             </a:r>
             <a:r>
               <a:rPr lang="ko-KR" altLang="en-US" sz="1600" dirty="0"/>
-              <a:t>센터용</a:t>
+              <a:t> 운동선수 이용자</a:t>
             </a:r>
             <a:r>
               <a:rPr lang="en-US" altLang="ko-KR" sz="1600" dirty="0"/>
               <a:t>)</a:t>
             </a:r>
-            <a:r>
-              <a:rPr lang="ko-KR" altLang="en-US" sz="1600" dirty="0"/>
-              <a:t>을 이용하고 난 고객들의</a:t>
-            </a:r>
-            <a:r>
-              <a:rPr lang="en-US" altLang="ko-KR" sz="1600" dirty="0"/>
-              <a:t> </a:t>
-            </a:r>
-            <a:r>
-              <a:rPr lang="ko-KR" altLang="en-US" sz="1600" dirty="0"/>
-              <a:t>개인기기구매</a:t>
-            </a:r>
-            <a:endParaRPr lang="en-US" altLang="ko-KR" sz="1600" dirty="0"/>
           </a:p>
           <a:p>
             <a:pPr>
@@ -3928,7 +3961,59 @@
             </a:pPr>
             <a:r>
               <a:rPr lang="ko-KR" altLang="en-US" sz="1600" dirty="0"/>
-              <a:t>건강관리에 관심이 많은 중장년층의 신규 고객</a:t>
+              <a:t>전문가용 기기</a:t>
+            </a:r>
+            <a:r>
+              <a:rPr lang="en-US" altLang="ko-KR" sz="1600" dirty="0"/>
+              <a:t>(</a:t>
+            </a:r>
+            <a:r>
+              <a:rPr lang="ko-KR" altLang="en-US" sz="1600" dirty="0"/>
+              <a:t>병원</a:t>
+            </a:r>
+            <a:r>
+              <a:rPr lang="en-US" altLang="ko-KR" sz="1600" dirty="0"/>
+              <a:t>/</a:t>
+            </a:r>
+            <a:r>
+              <a:rPr lang="ko-KR" altLang="en-US" sz="1600" dirty="0"/>
+              <a:t>피트니스</a:t>
+            </a:r>
+            <a:r>
+              <a:rPr lang="en-US" altLang="ko-KR" sz="1600" dirty="0"/>
+              <a:t>, </a:t>
+            </a:r>
+            <a:r>
+              <a:rPr lang="ko-KR" altLang="en-US" sz="1600" dirty="0"/>
+              <a:t>센터용</a:t>
+            </a:r>
+            <a:r>
+              <a:rPr lang="en-US" altLang="ko-KR" sz="1600" dirty="0"/>
+              <a:t>)</a:t>
+            </a:r>
+            <a:r>
+              <a:rPr lang="ko-KR" altLang="en-US" sz="1600" dirty="0"/>
+              <a:t>을 이용하고 난 고객들의</a:t>
+            </a:r>
+            <a:r>
+              <a:rPr lang="en-US" altLang="ko-KR" sz="1600" dirty="0"/>
+              <a:t> </a:t>
+            </a:r>
+            <a:r>
+              <a:rPr lang="ko-KR" altLang="en-US" sz="1600" dirty="0"/>
+              <a:t>가정용 기기 사용희망 </a:t>
+            </a:r>
+            <a:endParaRPr lang="en-US" altLang="ko-KR" sz="1600" dirty="0"/>
+          </a:p>
+          <a:p>
+            <a:pPr>
+              <a:lnSpc>
+                <a:spcPct val="120000"/>
+              </a:lnSpc>
+            </a:pPr>
+            <a:r>
+              <a:rPr lang="ko-KR" altLang="en-US" sz="1600" dirty="0"/>
+              <a:t>건강관리에 관심이 많은 신규 고객</a:t>
             </a:r>
             <a:endParaRPr lang="en-US" altLang="ko-KR" sz="1600" dirty="0"/>
           </a:p>
@@ -4054,21 +4139,17 @@
             </a:pPr>
             <a:r>
               <a:rPr lang="ko-KR" altLang="en-US" sz="1600" dirty="0"/>
-              <a:t>건강에 관심있고 시간에 </a:t>
-            </a:r>
-            <a:r>
-              <a:rPr lang="ko-KR" altLang="en-US" sz="1600" dirty="0" err="1"/>
-              <a:t>구애받지</a:t>
-            </a:r>
-            <a:r>
-              <a:rPr lang="ko-KR" altLang="en-US" sz="1600" dirty="0"/>
-              <a:t> 않는 관리를 받고 </a:t>
-            </a:r>
-            <a:r>
-              <a:rPr lang="ko-KR" altLang="en-US" sz="1600" dirty="0" err="1"/>
-              <a:t>싶을때</a:t>
-            </a:r>
-            <a:endParaRPr lang="ko-KR" altLang="en-US" sz="1600" dirty="0"/>
+              <a:t>나에게 맞는 건강관리 리포트 비교 확인</a:t>
+            </a:r>
+            <a:endParaRPr lang="en-US" altLang="ko-KR" sz="1600" dirty="0"/>
+          </a:p>
+          <a:p>
+            <a:pPr>
+              <a:lnSpc>
+                <a:spcPct val="120000"/>
+              </a:lnSpc>
+            </a:pPr>
+            <a:endParaRPr lang="en-US" altLang="ko-KR" sz="1600" dirty="0"/>
           </a:p>
         </p:txBody>
       </p:sp>
@@ -4120,11 +4201,13 @@
         </p:nvSpPr>
         <p:spPr/>
         <p:txBody>
-          <a:bodyPr/>
-          <a:lstStyle/>
-          <a:p>
-            <a:r>
-              <a:rPr lang="ko-KR" altLang="en-US" dirty="0"/>
+          <a:bodyPr>
+            <a:normAutofit/>
+          </a:bodyPr>
+          <a:lstStyle/>
+          <a:p>
+            <a:r>
+              <a:rPr lang="ko-KR" altLang="en-US" sz="3600" dirty="0"/>
               <a:t>사용자 니즈 도출</a:t>
             </a:r>
           </a:p>
@@ -4168,15 +4251,7 @@
             </a:r>
             <a:r>
               <a:rPr lang="ko-KR" altLang="en-US" sz="1400" dirty="0"/>
-              <a:t>세대 및 건강에 관심이 높은 중장년층의 </a:t>
-            </a:r>
-            <a:r>
-              <a:rPr lang="ko-KR" altLang="en-US" sz="1400" dirty="0" err="1"/>
-              <a:t>체성분</a:t>
-            </a:r>
-            <a:r>
-              <a:rPr lang="ko-KR" altLang="en-US" sz="1400" dirty="0"/>
-              <a:t> 관리</a:t>
+              <a:t>세대 및 건강에 관심이 높은 중장년층의 건강관리 및 질병예방의 도움이 필요한 사용자</a:t>
             </a:r>
             <a:endParaRPr lang="en-US" altLang="ko-KR" sz="1400" dirty="0"/>
           </a:p>
@@ -4244,15 +4319,7 @@
             </a:pPr>
             <a:r>
               <a:rPr lang="ko-KR" altLang="en-US" sz="1000" dirty="0"/>
-              <a:t>기능과 용도에 따라 나에게 맞는 제품이 </a:t>
-            </a:r>
-            <a:r>
-              <a:rPr lang="ko-KR" altLang="en-US" sz="1000" dirty="0" err="1"/>
-              <a:t>뭔지</a:t>
-            </a:r>
-            <a:r>
-              <a:rPr lang="ko-KR" altLang="en-US" sz="1000" dirty="0"/>
-              <a:t>  한눈에 파악하고 싶음</a:t>
+              <a:t>기능과 용도에 따라 나에게 맞는 제품을  한눈에 파악하고 싶음</a:t>
             </a:r>
             <a:endParaRPr lang="en-US" altLang="ko-KR" sz="1000" dirty="0"/>
           </a:p>
@@ -4434,11 +4501,13 @@
         </p:nvSpPr>
         <p:spPr/>
         <p:txBody>
-          <a:bodyPr/>
-          <a:lstStyle/>
-          <a:p>
-            <a:r>
-              <a:rPr lang="ko-KR" altLang="en-US" dirty="0"/>
+          <a:bodyPr>
+            <a:normAutofit/>
+          </a:bodyPr>
+          <a:lstStyle/>
+          <a:p>
+            <a:r>
+              <a:rPr lang="ko-KR" altLang="en-US" sz="3600" dirty="0"/>
               <a:t>사용자 리서치 계획</a:t>
             </a:r>
           </a:p>
@@ -4492,11 +4561,11 @@
             </a:r>
             <a:r>
               <a:rPr lang="en-US" altLang="ko-KR" sz="1200" dirty="0"/>
-              <a:t>: 20~35</a:t>
+              <a:t>: 20~30</a:t>
             </a:r>
             <a:r>
               <a:rPr lang="ko-KR" altLang="en-US" sz="1200" dirty="0"/>
-              <a:t>세 건강 및 몸매에 관심이 많은 </a:t>
+              <a:t>대 건강 및 몸매에 관심이 많은 </a:t>
             </a:r>
             <a:r>
               <a:rPr lang="en-US" altLang="ko-KR" sz="1200" dirty="0"/>
@@ -4552,7 +4621,7 @@
             </a:r>
             <a:r>
               <a:rPr lang="ko-KR" altLang="en-US" sz="1200" dirty="0"/>
-              <a:t>세 건강검진</a:t>
+              <a:t>대 건강검진</a:t>
             </a:r>
             <a:r>
               <a:rPr lang="en-US" altLang="ko-KR" sz="1200" dirty="0"/>
@@ -4634,7 +4703,7 @@
             </a:r>
             <a:r>
               <a:rPr lang="ko-KR" altLang="en-US" sz="1200" dirty="0"/>
-              <a:t> 개인제품의 인식 수준과 웹사이트 사용 파악</a:t>
+              <a:t> 개인제품의 인식 수준과 웹사이트 사용 유도</a:t>
             </a:r>
             <a:endParaRPr lang="en-US" altLang="ko-KR" sz="1200" dirty="0"/>
           </a:p>
@@ -4872,7 +4941,7 @@
 </file>
 
 <file path=ppt/slides/slide5.xml><?xml version="1.0" encoding="utf-8"?>
-<p:sld xmlns:r="http://schemas.openxmlformats.org/officeDocument/2006/relationships" xmlns:c="http://schemas.openxmlformats.org/drawingml/2006/chart" xmlns:a="http://schemas.openxmlformats.org/drawingml/2006/main" xmlns:dgm="http://schemas.openxmlformats.org/drawingml/2006/diagram" xmlns:dsp="http://schemas.microsoft.com/office/drawing/2008/diagram" xmlns:p="http://schemas.openxmlformats.org/presentationml/2006/main">
+<p:sld xmlns:a="http://schemas.openxmlformats.org/drawingml/2006/main" xmlns:r="http://schemas.openxmlformats.org/officeDocument/2006/relationships" xmlns:p="http://schemas.openxmlformats.org/presentationml/2006/main">
   <p:cSld>
     <p:spTree>
       <p:nvGrpSpPr>
@@ -4906,30 +4975,53 @@
         </p:nvSpPr>
         <p:spPr/>
         <p:txBody>
-          <a:bodyPr/>
-          <a:lstStyle/>
-          <a:p>
-            <a:r>
-              <a:rPr lang="ko-KR" altLang="en-US" dirty="0"/>
-              <a:t>리서치 조사 내용</a:t>
-            </a:r>
-          </a:p>
-        </p:txBody>
-      </p:sp>
-      <p:sp>
-        <p:nvSpPr>
-          <p:cNvPr id="8" name="내용 개체 틀 7"/>
-          <p:cNvSpPr>
-            <a:spLocks noGrp="1"/>
-          </p:cNvSpPr>
-          <p:nvPr>
-            <p:ph idx="1"/>
-          </p:nvPr>
-        </p:nvSpPr>
-        <p:spPr/>
-        <p:txBody>
           <a:bodyPr>
             <a:normAutofit/>
+          </a:bodyPr>
+          <a:lstStyle/>
+          <a:p>
+            <a:r>
+              <a:rPr lang="ko-KR" altLang="en-US" sz="3600" dirty="0"/>
+              <a:t>리서치 조사 내용</a:t>
+            </a:r>
+            <a:r>
+              <a:rPr lang="en-US" altLang="ko-KR" sz="3600" dirty="0"/>
+              <a:t>(</a:t>
+            </a:r>
+            <a:r>
+              <a:rPr lang="ko-KR" altLang="en-US" sz="3600" dirty="0"/>
+              <a:t>공통 </a:t>
+            </a:r>
+            <a:r>
+              <a:rPr lang="en-US" altLang="ko-KR" sz="3600" dirty="0"/>
+              <a:t>1~6</a:t>
+            </a:r>
+            <a:r>
+              <a:rPr lang="ko-KR" altLang="en-US" sz="3600" dirty="0"/>
+              <a:t>번</a:t>
+            </a:r>
+            <a:r>
+              <a:rPr lang="en-US" altLang="ko-KR" sz="3600" dirty="0"/>
+              <a:t>)</a:t>
+            </a:r>
+            <a:endParaRPr lang="ko-KR" altLang="en-US" sz="3600" dirty="0"/>
+          </a:p>
+        </p:txBody>
+      </p:sp>
+      <p:sp>
+        <p:nvSpPr>
+          <p:cNvPr id="8" name="내용 개체 틀 7"/>
+          <p:cNvSpPr>
+            <a:spLocks noGrp="1"/>
+          </p:cNvSpPr>
+          <p:nvPr>
+            <p:ph idx="1"/>
+          </p:nvPr>
+        </p:nvSpPr>
+        <p:spPr/>
+        <p:txBody>
+          <a:bodyPr>
+            <a:normAutofit fontScale="85000" lnSpcReduction="20000"/>
           </a:bodyPr>
           <a:lstStyle/>
           <a:p>
@@ -4939,14 +5031,10 @@
               <a:defRPr/>
             </a:pPr>
             <a:r>
-              <a:rPr lang="ko-KR" altLang="en-US" sz="1600"/>
-              <a:t>인바디 제품을 사용해 본 적이 있으신가요</a:t>
-            </a:r>
-            <a:r>
-              <a:rPr lang="en-US" altLang="ko-KR" sz="1600"/>
-              <a:t>?</a:t>
-            </a:r>
-            <a:endParaRPr lang="en-US" altLang="ko-KR" sz="1600"/>
+              <a:rPr lang="ko-KR" altLang="en-US" sz="1600" dirty="0"/>
+              <a:t>연령대를 선택해주세요</a:t>
+            </a:r>
+            <a:endParaRPr lang="en-US" altLang="ko-KR" sz="1600" dirty="0"/>
           </a:p>
           <a:p>
             <a:pPr marL="800100" lvl="1" indent="-342900">
@@ -4955,10 +5043,13 @@
               <a:defRPr/>
             </a:pPr>
             <a:r>
-              <a:rPr lang="ko-KR" altLang="en-US" sz="1200"/>
-              <a:t>예</a:t>
-            </a:r>
-            <a:endParaRPr lang="ko-KR" altLang="en-US" sz="1200"/>
+              <a:rPr lang="en-US" altLang="ko-KR" sz="1200" dirty="0"/>
+              <a:t>20~29</a:t>
+            </a:r>
+            <a:r>
+              <a:rPr lang="ko-KR" altLang="en-US" sz="1200" dirty="0"/>
+              <a:t>세</a:t>
+            </a:r>
           </a:p>
           <a:p>
             <a:pPr marL="800100" lvl="1" indent="-342900">
@@ -4967,10 +5058,58 @@
               <a:defRPr/>
             </a:pPr>
             <a:r>
-              <a:rPr lang="ko-KR" altLang="en-US" sz="1200"/>
-              <a:t>아니요</a:t>
-            </a:r>
-            <a:endParaRPr lang="ko-KR" altLang="en-US" sz="1200"/>
+              <a:rPr lang="en-US" altLang="ko-KR" sz="1200" dirty="0"/>
+              <a:t>30~39</a:t>
+            </a:r>
+            <a:r>
+              <a:rPr lang="ko-KR" altLang="en-US" sz="1200" dirty="0"/>
+              <a:t>세</a:t>
+            </a:r>
+          </a:p>
+          <a:p>
+            <a:pPr marL="800100" lvl="1" indent="-342900">
+              <a:buFont typeface="+mj-ea"/>
+              <a:buAutoNum type="circleNumDbPlain"/>
+              <a:defRPr/>
+            </a:pPr>
+            <a:r>
+              <a:rPr lang="en-US" altLang="ko-KR" sz="1200" dirty="0"/>
+              <a:t>40~49</a:t>
+            </a:r>
+            <a:r>
+              <a:rPr lang="ko-KR" altLang="en-US" sz="1200" dirty="0"/>
+              <a:t>세</a:t>
+            </a:r>
+          </a:p>
+          <a:p>
+            <a:pPr marL="800100" lvl="1" indent="-342900">
+              <a:buFont typeface="+mj-ea"/>
+              <a:buAutoNum type="circleNumDbPlain"/>
+              <a:defRPr/>
+            </a:pPr>
+            <a:r>
+              <a:rPr lang="en-US" altLang="ko-KR" sz="1200" dirty="0"/>
+              <a:t>50~59</a:t>
+            </a:r>
+            <a:r>
+              <a:rPr lang="ko-KR" altLang="en-US" sz="1200" dirty="0"/>
+              <a:t>세</a:t>
+            </a:r>
+          </a:p>
+          <a:p>
+            <a:pPr marL="800100" lvl="1" indent="-342900">
+              <a:buFont typeface="+mj-ea"/>
+              <a:buAutoNum type="circleNumDbPlain"/>
+              <a:defRPr/>
+            </a:pPr>
+            <a:r>
+              <a:rPr lang="en-US" altLang="ko-KR" sz="1200" dirty="0"/>
+              <a:t>60</a:t>
+            </a:r>
+            <a:r>
+              <a:rPr lang="ko-KR" altLang="en-US" sz="1200" dirty="0"/>
+              <a:t>세 이상</a:t>
+            </a:r>
           </a:p>
           <a:p>
             <a:pPr marL="342900" indent="-342900">
@@ -4979,14 +5118,17 @@
               <a:defRPr/>
             </a:pPr>
             <a:r>
-              <a:rPr lang="ko-KR" altLang="en-US" sz="1600"/>
-              <a:t>귀하의 연령대는 어떻게 되시나요</a:t>
-            </a:r>
-            <a:r>
-              <a:rPr lang="en-US" altLang="ko-KR" sz="1600"/>
+              <a:rPr lang="ko-KR" altLang="en-US" sz="1600" dirty="0" err="1"/>
+              <a:t>인바디</a:t>
+            </a:r>
+            <a:r>
+              <a:rPr lang="ko-KR" altLang="en-US" sz="1600" dirty="0"/>
+              <a:t> 제품을 사용해본 경험이 있나요</a:t>
+            </a:r>
+            <a:r>
+              <a:rPr lang="en-US" altLang="ko-KR" sz="1600" dirty="0"/>
               <a:t>?</a:t>
             </a:r>
-            <a:endParaRPr lang="en-US" altLang="ko-KR" sz="1600"/>
           </a:p>
           <a:p>
             <a:pPr marL="800100" lvl="1" indent="-342900">
@@ -4995,14 +5137,17 @@
               <a:defRPr/>
             </a:pPr>
             <a:r>
-              <a:rPr lang="en-US" altLang="ko-KR" sz="1200"/>
-              <a:t>10</a:t>
-            </a:r>
-            <a:r>
-              <a:rPr lang="ko-KR" altLang="en-US" sz="1200"/>
-              <a:t>대</a:t>
-            </a:r>
-            <a:endParaRPr lang="ko-KR" altLang="en-US" sz="1200"/>
+              <a:rPr lang="ko-KR" altLang="en-US" sz="1200" dirty="0"/>
+              <a:t>예</a:t>
+            </a:r>
+            <a:r>
+              <a:rPr lang="en-US" altLang="ko-KR" sz="1200" dirty="0"/>
+              <a:t>,</a:t>
+            </a:r>
+            <a:r>
+              <a:rPr lang="ko-KR" altLang="en-US" sz="1200" dirty="0"/>
+              <a:t> 개인용 제품을 사용해 봤어요</a:t>
+            </a:r>
           </a:p>
           <a:p>
             <a:pPr marL="800100" lvl="1" indent="-342900">
@@ -5011,14 +5156,25 @@
               <a:defRPr/>
             </a:pPr>
             <a:r>
-              <a:rPr lang="en-US" altLang="ko-KR" sz="1200"/>
-              <a:t>20</a:t>
-            </a:r>
-            <a:r>
-              <a:rPr lang="ko-KR" altLang="en-US" sz="1200"/>
-              <a:t>대</a:t>
-            </a:r>
-            <a:endParaRPr lang="ko-KR" altLang="en-US" sz="1200"/>
+              <a:rPr lang="ko-KR" altLang="en-US" sz="1200" dirty="0"/>
+              <a:t>예</a:t>
+            </a:r>
+            <a:r>
+              <a:rPr lang="en-US" altLang="ko-KR" sz="1200" dirty="0"/>
+              <a:t>,</a:t>
+            </a:r>
+            <a:r>
+              <a:rPr lang="ko-KR" altLang="en-US" sz="1200" dirty="0"/>
+              <a:t> 헬스장</a:t>
+            </a:r>
+            <a:r>
+              <a:rPr lang="en-US" altLang="ko-KR" sz="1200" dirty="0"/>
+              <a:t>/</a:t>
+            </a:r>
+            <a:r>
+              <a:rPr lang="ko-KR" altLang="en-US" sz="1200" dirty="0"/>
+              <a:t>병원 등에서 사용해봤어요</a:t>
+            </a:r>
           </a:p>
           <a:p>
             <a:pPr marL="800100" lvl="1" indent="-342900">
@@ -5027,14 +5183,75 @@
               <a:defRPr/>
             </a:pPr>
             <a:r>
-              <a:rPr lang="en-US" altLang="ko-KR" sz="1200"/>
-              <a:t>30</a:t>
-            </a:r>
-            <a:r>
-              <a:rPr lang="ko-KR" altLang="en-US" sz="1200"/>
-              <a:t>대</a:t>
-            </a:r>
-            <a:endParaRPr lang="ko-KR" altLang="en-US" sz="1200"/>
+              <a:rPr lang="ko-KR" altLang="en-US" sz="1200" dirty="0"/>
+              <a:t>아니요</a:t>
+            </a:r>
+            <a:r>
+              <a:rPr lang="en-US" altLang="ko-KR" sz="1200" dirty="0"/>
+              <a:t>,</a:t>
+            </a:r>
+            <a:r>
+              <a:rPr lang="ko-KR" altLang="en-US" sz="1200" dirty="0"/>
+              <a:t> 사용해 본 적 없어요</a:t>
+            </a:r>
+          </a:p>
+          <a:p>
+            <a:pPr marL="342900" lvl="0" indent="-342900">
+              <a:buAutoNum type="arabicPeriod"/>
+              <a:defRPr/>
+            </a:pPr>
+            <a:r>
+              <a:rPr lang="ko-KR" altLang="en-US" sz="1600" dirty="0" err="1"/>
+              <a:t>인바디</a:t>
+            </a:r>
+            <a:r>
+              <a:rPr lang="ko-KR" altLang="en-US" sz="1600" dirty="0"/>
+              <a:t> 제품을 사용하는 주요 목적은 무엇인가요? (복수 선택 가능)</a:t>
+            </a:r>
+          </a:p>
+          <a:p>
+            <a:pPr marL="800100" lvl="1" indent="-342900">
+              <a:buAutoNum type="circleNumDbPlain"/>
+              <a:defRPr/>
+            </a:pPr>
+            <a:r>
+              <a:rPr lang="ko-KR" altLang="en-US" sz="1200" dirty="0"/>
+              <a:t>체중 또는 체지방 관리</a:t>
+            </a:r>
+          </a:p>
+          <a:p>
+            <a:pPr marL="800100" lvl="1" indent="-342900">
+              <a:buAutoNum type="circleNumDbPlain"/>
+              <a:defRPr/>
+            </a:pPr>
+            <a:r>
+              <a:rPr lang="ko-KR" altLang="en-US" sz="1200" dirty="0" err="1"/>
+              <a:t>근육량</a:t>
+            </a:r>
+            <a:r>
+              <a:rPr lang="ko-KR" altLang="en-US" sz="1200" dirty="0"/>
+              <a:t>/운동 효과 체크</a:t>
+            </a:r>
+          </a:p>
+          <a:p>
+            <a:pPr marL="800100" lvl="1" indent="-342900">
+              <a:buAutoNum type="circleNumDbPlain"/>
+              <a:defRPr/>
+            </a:pPr>
+            <a:r>
+              <a:rPr lang="ko-KR" altLang="en-US" sz="1200" dirty="0"/>
+              <a:t>건강 이상 조기 발견</a:t>
+            </a:r>
+          </a:p>
+          <a:p>
+            <a:pPr marL="800100" lvl="1" indent="-342900">
+              <a:buAutoNum type="circleNumDbPlain"/>
+              <a:defRPr/>
+            </a:pPr>
+            <a:r>
+              <a:rPr lang="ko-KR" altLang="en-US" sz="1200" dirty="0"/>
+              <a:t>단순 호기심</a:t>
+            </a:r>
           </a:p>
           <a:p>
             <a:pPr marL="800100" lvl="1" indent="-342900">
@@ -5043,38 +5260,74 @@
               <a:defRPr/>
             </a:pPr>
             <a:r>
-              <a:rPr lang="en-US" altLang="ko-KR" sz="1200"/>
-              <a:t>40</a:t>
-            </a:r>
-            <a:r>
-              <a:rPr lang="ko-KR" altLang="en-US" sz="1200"/>
-              <a:t>대</a:t>
-            </a:r>
-            <a:endParaRPr lang="ko-KR" altLang="en-US" sz="1200"/>
+              <a:rPr lang="ko-KR" altLang="en-US" sz="1200" dirty="0"/>
+              <a:t>기타: (직접 입력)</a:t>
+            </a:r>
+          </a:p>
+          <a:p>
+            <a:pPr marL="342900" lvl="0" indent="-342900">
+              <a:buAutoNum type="arabicPeriod"/>
+              <a:defRPr/>
+            </a:pPr>
+            <a:r>
+              <a:rPr lang="ko-KR" altLang="en-US" sz="1647" dirty="0" err="1"/>
+              <a:t>인바디</a:t>
+            </a:r>
+            <a:r>
+              <a:rPr lang="ko-KR" altLang="en-US" sz="1647" dirty="0"/>
+              <a:t> 제품 구매 시 가장 중요하게 생각하는 요소는 무엇인가요?</a:t>
+            </a:r>
+            <a:endParaRPr lang="ko-KR" altLang="en-US" sz="1200" dirty="0"/>
           </a:p>
           <a:p>
             <a:pPr marL="800100" lvl="1" indent="-342900">
-              <a:buFont typeface="+mj-ea"/>
               <a:buAutoNum type="circleNumDbPlain"/>
               <a:defRPr/>
             </a:pPr>
             <a:r>
-              <a:rPr lang="en-US" altLang="ko-KR" sz="1200"/>
-              <a:t>50</a:t>
-            </a:r>
-            <a:r>
-              <a:rPr lang="ko-KR" altLang="en-US" sz="1200"/>
-              <a:t>대 이상</a:t>
-            </a:r>
-            <a:endParaRPr lang="ko-KR" altLang="en-US" sz="1200"/>
+              <a:rPr lang="ko-KR" altLang="en-US" sz="1200" dirty="0"/>
+              <a:t>정확도와 신뢰도</a:t>
+            </a:r>
           </a:p>
           <a:p>
             <a:pPr marL="800100" lvl="1" indent="-342900">
-              <a:buFont typeface="+mj-ea"/>
               <a:buAutoNum type="circleNumDbPlain"/>
               <a:defRPr/>
             </a:pPr>
-            <a:endParaRPr lang="ko-KR" altLang="en-US" sz="1200"/>
+            <a:r>
+              <a:rPr lang="ko-KR" altLang="en-US" sz="1200" dirty="0"/>
+              <a:t>가격 대비 성능</a:t>
+            </a:r>
+          </a:p>
+          <a:p>
+            <a:pPr marL="800100" lvl="1" indent="-342900">
+              <a:buAutoNum type="circleNumDbPlain"/>
+              <a:defRPr/>
+            </a:pPr>
+            <a:r>
+              <a:rPr lang="ko-KR" altLang="en-US" sz="1200" dirty="0"/>
+              <a:t>사용 편리성 (앱 연동, 조작법 등)</a:t>
+            </a:r>
+          </a:p>
+          <a:p>
+            <a:pPr marL="800100" lvl="1" indent="-342900">
+              <a:buAutoNum type="circleNumDbPlain"/>
+              <a:defRPr/>
+            </a:pPr>
+            <a:r>
+              <a:rPr lang="ko-KR" altLang="en-US" sz="1200" dirty="0"/>
+              <a:t>디자인 / 크기</a:t>
+            </a:r>
+          </a:p>
+          <a:p>
+            <a:pPr marL="800100" lvl="1" indent="-342900">
+              <a:buAutoNum type="circleNumDbPlain"/>
+              <a:defRPr/>
+            </a:pPr>
+            <a:r>
+              <a:rPr lang="ko-KR" altLang="en-US" sz="1200" dirty="0"/>
+              <a:t>브랜드 인지도</a:t>
+            </a:r>
           </a:p>
         </p:txBody>
       </p:sp>
@@ -5088,56 +5341,944 @@
   <p:clrMapOvr>
     <a:masterClrMapping/>
   </p:clrMapOvr>
-  <mc:AlternateContent xmlns:mc="http://schemas.openxmlformats.org/markup-compatibility/2006">
-    <mc:Choice xmlns:p14="http://schemas.microsoft.com/office/powerpoint/2010/main" Requires="p14">
-      <p:transition xmlns:mc="http://schemas.openxmlformats.org/markup-compatibility/2006" xmlns:p14="http://schemas.microsoft.com/office/powerpoint/2010/main" mc:Ignorable="p14" p14:dur="500"/>
+  <mc:AlternateContent xmlns:mc="http://schemas.openxmlformats.org/markup-compatibility/2006" xmlns:p14="http://schemas.microsoft.com/office/powerpoint/2010/main">
+    <mc:Choice Requires="p14">
+      <p:transition/>
     </mc:Choice>
-    <mc:Fallback>
+    <mc:Fallback xmlns="" xmlns:c="http://schemas.openxmlformats.org/drawingml/2006/chart" xmlns:dgm="http://schemas.openxmlformats.org/drawingml/2006/diagram" xmlns:dsp="http://schemas.microsoft.com/office/drawing/2008/diagram">
       <p:transition/>
     </mc:Fallback>
   </mc:AlternateContent>
 </p:sld>
 </file>
 
+<file path=ppt/slides/slide6.xml><?xml version="1.0" encoding="utf-8"?>
+<p:sld xmlns:a="http://schemas.openxmlformats.org/drawingml/2006/main" xmlns:r="http://schemas.openxmlformats.org/officeDocument/2006/relationships" xmlns:p="http://schemas.openxmlformats.org/presentationml/2006/main">
+  <p:cSld>
+    <p:spTree>
+      <p:nvGrpSpPr>
+        <p:cNvPr id="1" name=""/>
+        <p:cNvGrpSpPr/>
+        <p:nvPr/>
+      </p:nvGrpSpPr>
+      <p:grpSpPr>
+        <a:xfrm>
+          <a:off x="0" y="0"/>
+          <a:ext cx="0" cy="0"/>
+          <a:chOff x="0" y="0"/>
+          <a:chExt cx="0" cy="0"/>
+        </a:xfrm>
+      </p:grpSpPr>
+      <p:sp>
+        <p:nvSpPr>
+          <p:cNvPr id="2" name="제목 1"/>
+          <p:cNvSpPr>
+            <a:spLocks noGrp="1"/>
+          </p:cNvSpPr>
+          <p:nvPr>
+            <p:ph type="title"/>
+          </p:nvPr>
+        </p:nvSpPr>
+        <p:spPr/>
+        <p:txBody>
+          <a:bodyPr/>
+          <a:lstStyle/>
+          <a:p>
+            <a:pPr>
+              <a:defRPr/>
+            </a:pPr>
+            <a:endParaRPr lang="ko-KR" altLang="en-US"/>
+          </a:p>
+        </p:txBody>
+      </p:sp>
+      <p:sp>
+        <p:nvSpPr>
+          <p:cNvPr id="3" name="내용 개체 틀 2"/>
+          <p:cNvSpPr>
+            <a:spLocks noGrp="1"/>
+          </p:cNvSpPr>
+          <p:nvPr>
+            <p:ph idx="1"/>
+          </p:nvPr>
+        </p:nvSpPr>
+        <p:spPr/>
+        <p:txBody>
+          <a:bodyPr/>
+          <a:lstStyle/>
+          <a:p>
+            <a:pPr marL="0" indent="0">
+              <a:buNone/>
+              <a:defRPr/>
+            </a:pPr>
+            <a:r>
+              <a:rPr lang="en-US" altLang="ko-KR" sz="1600" dirty="0"/>
+              <a:t>5. </a:t>
+            </a:r>
+            <a:r>
+              <a:rPr lang="ko-KR" altLang="en-US" sz="1600" dirty="0" err="1"/>
+              <a:t>인바디</a:t>
+            </a:r>
+            <a:r>
+              <a:rPr lang="ko-KR" altLang="en-US" sz="1600" dirty="0"/>
+              <a:t> 공식 웹사이트를 사용해본 경험이 있나요?</a:t>
+            </a:r>
+          </a:p>
+          <a:p>
+            <a:pPr marL="901200" lvl="1" indent="-444000">
+              <a:buAutoNum type="circleNumDbPlain"/>
+              <a:defRPr/>
+            </a:pPr>
+            <a:r>
+              <a:rPr lang="ko-KR" altLang="en-US" sz="1600" dirty="0"/>
+              <a:t>자주 방문한다</a:t>
+            </a:r>
+          </a:p>
+          <a:p>
+            <a:pPr marL="901200" lvl="1" indent="-444000">
+              <a:buAutoNum type="circleNumDbPlain"/>
+              <a:defRPr/>
+            </a:pPr>
+            <a:r>
+              <a:rPr lang="ko-KR" altLang="en-US" sz="1600" dirty="0"/>
+              <a:t>가끔 찾아본 적 있다</a:t>
+            </a:r>
+          </a:p>
+          <a:p>
+            <a:pPr marL="901200" lvl="1" indent="-444000">
+              <a:buAutoNum type="circleNumDbPlain"/>
+              <a:defRPr/>
+            </a:pPr>
+            <a:r>
+              <a:rPr lang="ko-KR" altLang="en-US" sz="1600" dirty="0"/>
+              <a:t>사용해본 적 없다</a:t>
+            </a:r>
+          </a:p>
+          <a:p>
+            <a:pPr marL="0" lvl="0" indent="0">
+              <a:buNone/>
+              <a:defRPr/>
+            </a:pPr>
+            <a:r>
+              <a:rPr lang="en-US" altLang="ko-KR" sz="1600" dirty="0"/>
+              <a:t>6.</a:t>
+            </a:r>
+            <a:r>
+              <a:rPr lang="ko-KR" altLang="en-US" sz="1600" dirty="0"/>
+              <a:t> 웹사이트에서 가장 자주 찾는 정보는 무엇인가요?</a:t>
+            </a:r>
+          </a:p>
+          <a:p>
+            <a:pPr marL="901200" lvl="1" indent="-444000">
+              <a:buAutoNum type="circleNumDbPlain"/>
+              <a:defRPr/>
+            </a:pPr>
+            <a:r>
+              <a:rPr lang="ko-KR" altLang="en-US" sz="1600" dirty="0"/>
+              <a:t>제품 스펙/비교 정보</a:t>
+            </a:r>
+          </a:p>
+          <a:p>
+            <a:pPr marL="901200" lvl="1" indent="-444000">
+              <a:buAutoNum type="circleNumDbPlain"/>
+              <a:defRPr/>
+            </a:pPr>
+            <a:r>
+              <a:rPr lang="ko-KR" altLang="en-US" sz="1600" dirty="0"/>
+              <a:t>사용 후기나 리뷰</a:t>
+            </a:r>
+          </a:p>
+          <a:p>
+            <a:pPr marL="901200" lvl="1" indent="-444000">
+              <a:buAutoNum type="circleNumDbPlain"/>
+              <a:defRPr/>
+            </a:pPr>
+            <a:r>
+              <a:rPr lang="ko-KR" altLang="en-US" sz="1600" dirty="0"/>
+              <a:t>건강 관련 콘텐츠 (블로그, 영상 등)</a:t>
+            </a:r>
+          </a:p>
+          <a:p>
+            <a:pPr marL="901200" lvl="1" indent="-444000">
+              <a:buAutoNum type="circleNumDbPlain"/>
+              <a:defRPr/>
+            </a:pPr>
+            <a:r>
+              <a:rPr lang="ko-KR" altLang="en-US" sz="1600" dirty="0"/>
+              <a:t>고객 지원(FAQ, 사용법 등)</a:t>
+            </a:r>
+          </a:p>
+        </p:txBody>
+      </p:sp>
+    </p:spTree>
+    <p:extLst>
+      <p:ext uri="{BB962C8B-B14F-4D97-AF65-F5344CB8AC3E}">
+        <p14:creationId xmlns:p14="http://schemas.microsoft.com/office/powerpoint/2010/main" val="1394035293"/>
+      </p:ext>
+    </p:extLst>
+  </p:cSld>
+  <p:clrMapOvr>
+    <a:masterClrMapping/>
+  </p:clrMapOvr>
+  <mc:AlternateContent xmlns:mc="http://schemas.openxmlformats.org/markup-compatibility/2006" xmlns:p14="http://schemas.microsoft.com/office/powerpoint/2010/main">
+    <mc:Choice Requires="p14">
+      <p:transition/>
+    </mc:Choice>
+    <mc:Fallback xmlns="" xmlns:c="http://schemas.openxmlformats.org/drawingml/2006/chart" xmlns:dgm="http://schemas.openxmlformats.org/drawingml/2006/diagram" xmlns:dsp="http://schemas.microsoft.com/office/drawing/2008/diagram">
+      <p:transition/>
+    </mc:Fallback>
+  </mc:AlternateContent>
+</p:sld>
+</file>
+
+<file path=ppt/slides/slide7.xml><?xml version="1.0" encoding="utf-8"?>
+<p:sld xmlns:a="http://schemas.openxmlformats.org/drawingml/2006/main" xmlns:r="http://schemas.openxmlformats.org/officeDocument/2006/relationships" xmlns:p="http://schemas.openxmlformats.org/presentationml/2006/main">
+  <p:cSld>
+    <p:spTree>
+      <p:nvGrpSpPr>
+        <p:cNvPr id="1" name=""/>
+        <p:cNvGrpSpPr/>
+        <p:nvPr/>
+      </p:nvGrpSpPr>
+      <p:grpSpPr>
+        <a:xfrm>
+          <a:off x="0" y="0"/>
+          <a:ext cx="0" cy="0"/>
+          <a:chOff x="0" y="0"/>
+          <a:chExt cx="0" cy="0"/>
+        </a:xfrm>
+      </p:grpSpPr>
+      <p:sp>
+        <p:nvSpPr>
+          <p:cNvPr id="2" name="제목 1"/>
+          <p:cNvSpPr>
+            <a:spLocks noGrp="1"/>
+          </p:cNvSpPr>
+          <p:nvPr>
+            <p:ph type="title"/>
+          </p:nvPr>
+        </p:nvSpPr>
+        <p:spPr/>
+        <p:txBody>
+          <a:bodyPr>
+            <a:normAutofit/>
+          </a:bodyPr>
+          <a:lstStyle/>
+          <a:p>
+            <a:pPr>
+              <a:defRPr/>
+            </a:pPr>
+            <a:r>
+              <a:rPr lang="ko-KR" altLang="en-US" sz="3600" dirty="0"/>
+              <a:t>청년층 </a:t>
+            </a:r>
+            <a:r>
+              <a:rPr lang="en-US" altLang="ko-KR" sz="3600" dirty="0"/>
+              <a:t>(20~30</a:t>
+            </a:r>
+            <a:r>
+              <a:rPr lang="ko-KR" altLang="en-US" sz="3600" dirty="0"/>
+              <a:t>대</a:t>
+            </a:r>
+            <a:r>
+              <a:rPr lang="en-US" altLang="ko-KR" sz="3600" dirty="0"/>
+              <a:t>) </a:t>
+            </a:r>
+            <a:r>
+              <a:rPr lang="ko-KR" altLang="en-US" sz="3600" dirty="0"/>
+              <a:t>대상 맞춤 질문</a:t>
+            </a:r>
+            <a:r>
+              <a:rPr lang="en-US" altLang="ko-KR" sz="3600" dirty="0"/>
+              <a:t>(7~9</a:t>
+            </a:r>
+            <a:r>
+              <a:rPr lang="ko-KR" altLang="en-US" sz="3600" dirty="0"/>
+              <a:t>번</a:t>
+            </a:r>
+            <a:r>
+              <a:rPr lang="en-US" altLang="ko-KR" sz="3600" dirty="0"/>
+              <a:t>)</a:t>
+            </a:r>
+            <a:endParaRPr lang="ko-KR" altLang="en-US" sz="3600" dirty="0"/>
+          </a:p>
+        </p:txBody>
+      </p:sp>
+      <p:sp>
+        <p:nvSpPr>
+          <p:cNvPr id="3" name="내용 개체 틀 2"/>
+          <p:cNvSpPr>
+            <a:spLocks noGrp="1"/>
+          </p:cNvSpPr>
+          <p:nvPr>
+            <p:ph idx="1"/>
+          </p:nvPr>
+        </p:nvSpPr>
+        <p:spPr/>
+        <p:txBody>
+          <a:bodyPr>
+            <a:normAutofit/>
+          </a:bodyPr>
+          <a:lstStyle/>
+          <a:p>
+            <a:pPr marL="0" indent="0">
+              <a:buNone/>
+              <a:defRPr/>
+            </a:pPr>
+            <a:r>
+              <a:rPr lang="en-US" altLang="ko-KR" sz="1600" dirty="0"/>
+              <a:t>7. </a:t>
+            </a:r>
+            <a:r>
+              <a:rPr lang="ko-KR" altLang="en-US" sz="1600" dirty="0" err="1"/>
+              <a:t>인바디에</a:t>
+            </a:r>
+            <a:r>
+              <a:rPr lang="ko-KR" altLang="en-US" sz="1600" dirty="0"/>
+              <a:t> 대해 처음 접하게 된 경로는 무엇인가요</a:t>
+            </a:r>
+            <a:r>
+              <a:rPr lang="en-US" altLang="ko-KR" sz="1600" dirty="0"/>
+              <a:t>?</a:t>
+            </a:r>
+          </a:p>
+          <a:p>
+            <a:pPr marL="914400" lvl="1" indent="-457200">
+              <a:buFont typeface="+mj-ea"/>
+              <a:buAutoNum type="circleNumDbPlain"/>
+              <a:defRPr/>
+            </a:pPr>
+            <a:r>
+              <a:rPr lang="en-US" altLang="ko-KR" sz="1600" dirty="0"/>
+              <a:t>SNS (</a:t>
+            </a:r>
+            <a:r>
+              <a:rPr lang="ko-KR" altLang="en-US" sz="1600" dirty="0"/>
+              <a:t>인스타그램</a:t>
+            </a:r>
+            <a:r>
+              <a:rPr lang="en-US" altLang="ko-KR" sz="1600" dirty="0"/>
+              <a:t>, </a:t>
+            </a:r>
+            <a:r>
+              <a:rPr lang="ko-KR" altLang="en-US" sz="1600" dirty="0"/>
+              <a:t>유튜브 등</a:t>
+            </a:r>
+            <a:r>
+              <a:rPr lang="en-US" altLang="ko-KR" sz="1600" dirty="0"/>
+              <a:t>)</a:t>
+            </a:r>
+          </a:p>
+          <a:p>
+            <a:pPr marL="914400" lvl="1" indent="-457200">
+              <a:buFont typeface="+mj-ea"/>
+              <a:buAutoNum type="circleNumDbPlain"/>
+              <a:defRPr/>
+            </a:pPr>
+            <a:r>
+              <a:rPr lang="ko-KR" altLang="en-US" sz="1600" dirty="0"/>
+              <a:t>헬스장 </a:t>
+            </a:r>
+            <a:r>
+              <a:rPr lang="en-US" altLang="ko-KR" sz="1600" dirty="0"/>
+              <a:t>/ </a:t>
+            </a:r>
+            <a:r>
+              <a:rPr lang="ko-KR" altLang="en-US" sz="1600" dirty="0"/>
+              <a:t>운동 커뮤니티</a:t>
+            </a:r>
+            <a:endParaRPr lang="en-US" altLang="ko-KR" sz="1600" dirty="0"/>
+          </a:p>
+          <a:p>
+            <a:pPr marL="914400" lvl="1" indent="-457200">
+              <a:buFont typeface="+mj-ea"/>
+              <a:buAutoNum type="circleNumDbPlain"/>
+              <a:defRPr/>
+            </a:pPr>
+            <a:r>
+              <a:rPr lang="ko-KR" altLang="en-US" sz="1600" dirty="0"/>
+              <a:t>지인 추천</a:t>
+            </a:r>
+            <a:endParaRPr lang="en-US" altLang="ko-KR" sz="1600" dirty="0"/>
+          </a:p>
+          <a:p>
+            <a:pPr marL="914400" lvl="1" indent="-457200">
+              <a:buFont typeface="+mj-ea"/>
+              <a:buAutoNum type="circleNumDbPlain"/>
+              <a:defRPr/>
+            </a:pPr>
+            <a:r>
+              <a:rPr lang="ko-KR" altLang="en-US" sz="1600" dirty="0"/>
+              <a:t>검색광고 </a:t>
+            </a:r>
+            <a:r>
+              <a:rPr lang="en-US" altLang="ko-KR" sz="1600" dirty="0"/>
+              <a:t>/ </a:t>
+            </a:r>
+            <a:r>
+              <a:rPr lang="ko-KR" altLang="en-US" sz="1600" dirty="0"/>
+              <a:t>블로그</a:t>
+            </a:r>
+            <a:endParaRPr lang="en-US" altLang="ko-KR" sz="1600" dirty="0"/>
+          </a:p>
+          <a:p>
+            <a:pPr marL="0" indent="0">
+              <a:buNone/>
+              <a:defRPr/>
+            </a:pPr>
+            <a:r>
+              <a:rPr lang="en-US" altLang="ko-KR" sz="1600" dirty="0"/>
+              <a:t>8. </a:t>
+            </a:r>
+            <a:r>
+              <a:rPr lang="ko-KR" altLang="en-US" sz="1600" dirty="0"/>
+              <a:t>제품 정보 탐색 시 가장 선호하는 콘텐츠 형태는</a:t>
+            </a:r>
+            <a:r>
+              <a:rPr lang="en-US" altLang="ko-KR" sz="1600" dirty="0"/>
+              <a:t>?</a:t>
+            </a:r>
+          </a:p>
+          <a:p>
+            <a:pPr marL="914400" lvl="1" indent="-457200">
+              <a:buFont typeface="+mj-ea"/>
+              <a:buAutoNum type="circleNumDbPlain"/>
+              <a:defRPr/>
+            </a:pPr>
+            <a:r>
+              <a:rPr lang="ko-KR" altLang="en-US" sz="1600" dirty="0"/>
+              <a:t>비교표나 한눈에 보기 쉬운 요약</a:t>
+            </a:r>
+            <a:endParaRPr lang="en-US" altLang="ko-KR" sz="1600" dirty="0"/>
+          </a:p>
+          <a:p>
+            <a:pPr marL="914400" lvl="1" indent="-457200">
+              <a:buFont typeface="+mj-ea"/>
+              <a:buAutoNum type="circleNumDbPlain"/>
+              <a:defRPr/>
+            </a:pPr>
+            <a:r>
+              <a:rPr lang="ko-KR" altLang="en-US" sz="1600" dirty="0"/>
+              <a:t>영상 리뷰 </a:t>
+            </a:r>
+            <a:r>
+              <a:rPr lang="en-US" altLang="ko-KR" sz="1600" dirty="0"/>
+              <a:t>/ </a:t>
+            </a:r>
+            <a:r>
+              <a:rPr lang="ko-KR" altLang="en-US" sz="1600" dirty="0" err="1"/>
+              <a:t>인플루언서</a:t>
+            </a:r>
+            <a:r>
+              <a:rPr lang="ko-KR" altLang="en-US" sz="1600" dirty="0"/>
+              <a:t> 콘텐츠</a:t>
+            </a:r>
+            <a:endParaRPr lang="en-US" altLang="ko-KR" sz="1600" dirty="0"/>
+          </a:p>
+          <a:p>
+            <a:pPr marL="914400" lvl="1" indent="-457200">
+              <a:buFont typeface="+mj-ea"/>
+              <a:buAutoNum type="circleNumDbPlain"/>
+              <a:defRPr/>
+            </a:pPr>
+            <a:r>
+              <a:rPr lang="ko-KR" altLang="en-US" sz="1600" dirty="0" err="1"/>
+              <a:t>인터랙티브한</a:t>
+            </a:r>
+            <a:r>
+              <a:rPr lang="ko-KR" altLang="en-US" sz="1600" dirty="0"/>
+              <a:t> 시뮬레이션 기능</a:t>
+            </a:r>
+            <a:endParaRPr lang="en-US" altLang="ko-KR" sz="1600" dirty="0"/>
+          </a:p>
+          <a:p>
+            <a:pPr marL="914400" lvl="1" indent="-457200">
+              <a:buFont typeface="+mj-ea"/>
+              <a:buAutoNum type="circleNumDbPlain"/>
+              <a:defRPr/>
+            </a:pPr>
+            <a:r>
+              <a:rPr lang="ko-KR" altLang="en-US" sz="1600" dirty="0"/>
+              <a:t>나에게 맞는 맞춤 검색 서비스</a:t>
+            </a:r>
+            <a:endParaRPr lang="en-US" altLang="ko-KR" sz="1600" dirty="0"/>
+          </a:p>
+          <a:p>
+            <a:pPr marL="0" indent="0">
+              <a:buNone/>
+              <a:defRPr/>
+            </a:pPr>
+            <a:r>
+              <a:rPr lang="en-US" altLang="ko-KR" sz="1600" dirty="0"/>
+              <a:t>9. </a:t>
+            </a:r>
+            <a:r>
+              <a:rPr lang="ko-KR" altLang="en-US" sz="1600" dirty="0"/>
+              <a:t>웹사이트에서 ‘</a:t>
+            </a:r>
+            <a:r>
+              <a:rPr lang="ko-KR" altLang="en-US" sz="1600" dirty="0" err="1"/>
+              <a:t>재미있다’거나</a:t>
+            </a:r>
+            <a:r>
+              <a:rPr lang="ko-KR" altLang="en-US" sz="1600" dirty="0"/>
+              <a:t> ‘</a:t>
+            </a:r>
+            <a:r>
+              <a:rPr lang="ko-KR" altLang="en-US" sz="1600" dirty="0" err="1"/>
+              <a:t>공감된다’고</a:t>
+            </a:r>
+            <a:r>
+              <a:rPr lang="ko-KR" altLang="en-US" sz="1600" dirty="0"/>
+              <a:t> 느낀 콘텐츠가 있었나요</a:t>
+            </a:r>
+            <a:r>
+              <a:rPr lang="en-US" altLang="ko-KR" sz="1600" dirty="0"/>
+              <a:t>?</a:t>
+            </a:r>
+          </a:p>
+          <a:p>
+            <a:pPr marL="914400" lvl="1" indent="-457200">
+              <a:buFont typeface="+mj-ea"/>
+              <a:buAutoNum type="circleNumDbPlain"/>
+              <a:defRPr/>
+            </a:pPr>
+            <a:r>
+              <a:rPr lang="ko-KR" altLang="en-US" sz="1600" dirty="0"/>
+              <a:t>예</a:t>
+            </a:r>
+            <a:r>
+              <a:rPr lang="en-US" altLang="ko-KR" sz="1600" dirty="0"/>
+              <a:t>, </a:t>
+            </a:r>
+            <a:r>
+              <a:rPr lang="ko-KR" altLang="en-US" sz="1600" dirty="0"/>
+              <a:t>운동 루틴</a:t>
+            </a:r>
+            <a:r>
+              <a:rPr lang="en-US" altLang="ko-KR" sz="1600" dirty="0"/>
+              <a:t>/</a:t>
+            </a:r>
+            <a:r>
+              <a:rPr lang="ko-KR" altLang="en-US" sz="1600" dirty="0" err="1"/>
+              <a:t>건강팁</a:t>
+            </a:r>
+            <a:r>
+              <a:rPr lang="ko-KR" altLang="en-US" sz="1600" dirty="0"/>
+              <a:t> 등 콘텐츠가 좋았어요</a:t>
+            </a:r>
+            <a:endParaRPr lang="en-US" altLang="ko-KR" sz="1600" dirty="0"/>
+          </a:p>
+          <a:p>
+            <a:pPr marL="914400" lvl="1" indent="-457200">
+              <a:buFont typeface="+mj-ea"/>
+              <a:buAutoNum type="circleNumDbPlain"/>
+              <a:defRPr/>
+            </a:pPr>
+            <a:r>
+              <a:rPr lang="ko-KR" altLang="en-US" sz="1600" dirty="0"/>
+              <a:t>아니요</a:t>
+            </a:r>
+            <a:r>
+              <a:rPr lang="en-US" altLang="ko-KR" sz="1600" dirty="0"/>
+              <a:t>, </a:t>
+            </a:r>
+            <a:r>
+              <a:rPr lang="ko-KR" altLang="en-US" sz="1600" dirty="0"/>
+              <a:t>정보는 있었지만 공감은 안 됐어요</a:t>
+            </a:r>
+            <a:endParaRPr lang="en-US" altLang="ko-KR" sz="1600" dirty="0"/>
+          </a:p>
+          <a:p>
+            <a:pPr marL="914400" lvl="1" indent="-457200">
+              <a:buFont typeface="+mj-ea"/>
+              <a:buAutoNum type="circleNumDbPlain"/>
+              <a:defRPr/>
+            </a:pPr>
+            <a:r>
+              <a:rPr lang="ko-KR" altLang="en-US" sz="1600" dirty="0"/>
+              <a:t>콘텐츠가 너무 딱딱하거나 부족했어요</a:t>
+            </a:r>
+          </a:p>
+        </p:txBody>
+      </p:sp>
+    </p:spTree>
+    <p:extLst>
+      <p:ext uri="{BB962C8B-B14F-4D97-AF65-F5344CB8AC3E}">
+        <p14:creationId xmlns:p14="http://schemas.microsoft.com/office/powerpoint/2010/main" val="846344322"/>
+      </p:ext>
+    </p:extLst>
+  </p:cSld>
+  <p:clrMapOvr>
+    <a:masterClrMapping/>
+  </p:clrMapOvr>
+  <mc:AlternateContent xmlns:mc="http://schemas.openxmlformats.org/markup-compatibility/2006" xmlns:p14="http://schemas.microsoft.com/office/powerpoint/2010/main">
+    <mc:Choice Requires="p14">
+      <p:transition/>
+    </mc:Choice>
+    <mc:Fallback xmlns="" xmlns:c="http://schemas.openxmlformats.org/drawingml/2006/chart" xmlns:dgm="http://schemas.openxmlformats.org/drawingml/2006/diagram" xmlns:dsp="http://schemas.microsoft.com/office/drawing/2008/diagram">
+      <p:transition/>
+    </mc:Fallback>
+  </mc:AlternateContent>
+</p:sld>
+</file>
+
+<file path=ppt/slides/slide8.xml><?xml version="1.0" encoding="utf-8"?>
+<p:sld xmlns:a="http://schemas.openxmlformats.org/drawingml/2006/main" xmlns:r="http://schemas.openxmlformats.org/officeDocument/2006/relationships" xmlns:p="http://schemas.openxmlformats.org/presentationml/2006/main">
+  <p:cSld>
+    <p:spTree>
+      <p:nvGrpSpPr>
+        <p:cNvPr id="1" name=""/>
+        <p:cNvGrpSpPr/>
+        <p:nvPr/>
+      </p:nvGrpSpPr>
+      <p:grpSpPr>
+        <a:xfrm>
+          <a:off x="0" y="0"/>
+          <a:ext cx="0" cy="0"/>
+          <a:chOff x="0" y="0"/>
+          <a:chExt cx="0" cy="0"/>
+        </a:xfrm>
+      </p:grpSpPr>
+      <p:sp>
+        <p:nvSpPr>
+          <p:cNvPr id="2" name="제목 1">
+            <a:extLst>
+              <a:ext uri="{FF2B5EF4-FFF2-40B4-BE49-F238E27FC236}">
+                <a16:creationId xmlns:a16="http://schemas.microsoft.com/office/drawing/2014/main" id="{3AA45ACD-0CC5-42AD-B0D0-5B7C38F78657}"/>
+              </a:ext>
+            </a:extLst>
+          </p:cNvPr>
+          <p:cNvSpPr>
+            <a:spLocks noGrp="1"/>
+          </p:cNvSpPr>
+          <p:nvPr>
+            <p:ph type="title"/>
+          </p:nvPr>
+        </p:nvSpPr>
+        <p:spPr/>
+        <p:txBody>
+          <a:bodyPr>
+            <a:normAutofit/>
+          </a:bodyPr>
+          <a:lstStyle/>
+          <a:p>
+            <a:r>
+              <a:rPr lang="ko-KR" altLang="en-US" sz="3600" dirty="0"/>
+              <a:t>중장년층 </a:t>
+            </a:r>
+            <a:r>
+              <a:rPr lang="en-US" altLang="ko-KR" sz="3600" dirty="0"/>
+              <a:t>(40~60</a:t>
+            </a:r>
+            <a:r>
+              <a:rPr lang="ko-KR" altLang="en-US" sz="3600" dirty="0"/>
+              <a:t>대</a:t>
+            </a:r>
+            <a:r>
+              <a:rPr lang="en-US" altLang="ko-KR" sz="3600" dirty="0"/>
+              <a:t>) </a:t>
+            </a:r>
+            <a:r>
+              <a:rPr lang="ko-KR" altLang="en-US" sz="3600" dirty="0"/>
+              <a:t>대상 맞춤 질문</a:t>
+            </a:r>
+          </a:p>
+        </p:txBody>
+      </p:sp>
+      <p:sp>
+        <p:nvSpPr>
+          <p:cNvPr id="3" name="내용 개체 틀 2">
+            <a:extLst>
+              <a:ext uri="{FF2B5EF4-FFF2-40B4-BE49-F238E27FC236}">
+                <a16:creationId xmlns:a16="http://schemas.microsoft.com/office/drawing/2014/main" id="{0DCA3B70-4397-4AE3-9F33-5A7E6FF8ED7B}"/>
+              </a:ext>
+            </a:extLst>
+          </p:cNvPr>
+          <p:cNvSpPr>
+            <a:spLocks noGrp="1"/>
+          </p:cNvSpPr>
+          <p:nvPr>
+            <p:ph idx="1"/>
+          </p:nvPr>
+        </p:nvSpPr>
+        <p:spPr/>
+        <p:txBody>
+          <a:bodyPr>
+            <a:normAutofit lnSpcReduction="10000"/>
+          </a:bodyPr>
+          <a:lstStyle/>
+          <a:p>
+            <a:pPr marL="0" indent="0">
+              <a:buNone/>
+            </a:pPr>
+            <a:r>
+              <a:rPr lang="en-US" altLang="ko-KR" sz="1600" dirty="0"/>
+              <a:t>7. </a:t>
+            </a:r>
+            <a:r>
+              <a:rPr lang="ko-KR" altLang="en-US" sz="1600" dirty="0"/>
+              <a:t>웹사이트 사용 시 불편했던 점이 있다면 무엇인가요</a:t>
+            </a:r>
+            <a:r>
+              <a:rPr lang="en-US" altLang="ko-KR" sz="1600" dirty="0"/>
+              <a:t>? (</a:t>
+            </a:r>
+            <a:r>
+              <a:rPr lang="ko-KR" altLang="en-US" sz="1600" dirty="0"/>
+              <a:t>복수 선택 가능</a:t>
+            </a:r>
+            <a:r>
+              <a:rPr lang="en-US" altLang="ko-KR" sz="1600" dirty="0"/>
+              <a:t>)</a:t>
+            </a:r>
+          </a:p>
+          <a:p>
+            <a:pPr marL="914400" lvl="1" indent="-457200">
+              <a:buFont typeface="+mj-ea"/>
+              <a:buAutoNum type="circleNumDbPlain"/>
+            </a:pPr>
+            <a:r>
+              <a:rPr lang="ko-KR" altLang="en-US" sz="1600" dirty="0"/>
+              <a:t>글자 크기나 메뉴 구조가 복잡했어요</a:t>
+            </a:r>
+            <a:endParaRPr lang="en-US" altLang="ko-KR" sz="1600" dirty="0"/>
+          </a:p>
+          <a:p>
+            <a:pPr marL="914400" lvl="1" indent="-457200">
+              <a:buFont typeface="+mj-ea"/>
+              <a:buAutoNum type="circleNumDbPlain"/>
+            </a:pPr>
+            <a:r>
+              <a:rPr lang="ko-KR" altLang="en-US" sz="1600" dirty="0"/>
+              <a:t>원하는 정보를 찾기 어려웠어요</a:t>
+            </a:r>
+            <a:endParaRPr lang="en-US" altLang="ko-KR" sz="1600" dirty="0"/>
+          </a:p>
+          <a:p>
+            <a:pPr marL="914400" lvl="1" indent="-457200">
+              <a:buFont typeface="+mj-ea"/>
+              <a:buAutoNum type="circleNumDbPlain"/>
+            </a:pPr>
+            <a:r>
+              <a:rPr lang="ko-KR" altLang="en-US" sz="1600" dirty="0"/>
+              <a:t>전문 용어나 설명이 어렵게 느껴졌어요</a:t>
+            </a:r>
+            <a:endParaRPr lang="en-US" altLang="ko-KR" sz="1600" dirty="0"/>
+          </a:p>
+          <a:p>
+            <a:pPr marL="914400" lvl="1" indent="-457200">
+              <a:buFont typeface="+mj-ea"/>
+              <a:buAutoNum type="circleNumDbPlain"/>
+            </a:pPr>
+            <a:r>
+              <a:rPr lang="ko-KR" altLang="en-US" sz="1600" dirty="0"/>
+              <a:t>딱히 불편함은 없었어요</a:t>
+            </a:r>
+            <a:endParaRPr lang="en-US" altLang="ko-KR" sz="1600" dirty="0"/>
+          </a:p>
+          <a:p>
+            <a:pPr marL="0" indent="0">
+              <a:buNone/>
+            </a:pPr>
+            <a:r>
+              <a:rPr lang="en-US" altLang="ko-KR" sz="1600" dirty="0"/>
+              <a:t>8. </a:t>
+            </a:r>
+            <a:r>
+              <a:rPr lang="ko-KR" altLang="en-US" sz="1600" dirty="0"/>
+              <a:t>제품을 선택할 때 가장 중요하게 보는 요소는 무엇인가요</a:t>
+            </a:r>
+            <a:r>
+              <a:rPr lang="en-US" altLang="ko-KR" sz="1600" dirty="0"/>
+              <a:t>?</a:t>
+            </a:r>
+          </a:p>
+          <a:p>
+            <a:pPr marL="914400" lvl="1" indent="-457200">
+              <a:buFont typeface="+mj-ea"/>
+              <a:buAutoNum type="circleNumDbPlain"/>
+            </a:pPr>
+            <a:r>
+              <a:rPr lang="ko-KR" altLang="en-US" sz="1600" dirty="0"/>
+              <a:t>측정 정확도 및 병원</a:t>
+            </a:r>
+            <a:r>
+              <a:rPr lang="en-US" altLang="ko-KR" sz="1600" dirty="0"/>
+              <a:t>/</a:t>
+            </a:r>
+            <a:r>
+              <a:rPr lang="ko-KR" altLang="en-US" sz="1600" dirty="0"/>
+              <a:t>의료기관 신뢰도</a:t>
+            </a:r>
+            <a:endParaRPr lang="en-US" altLang="ko-KR" sz="1600" dirty="0"/>
+          </a:p>
+          <a:p>
+            <a:pPr marL="914400" lvl="1" indent="-457200">
+              <a:buFont typeface="+mj-ea"/>
+              <a:buAutoNum type="circleNumDbPlain"/>
+            </a:pPr>
+            <a:r>
+              <a:rPr lang="ko-KR" altLang="en-US" sz="1600" dirty="0"/>
+              <a:t>사용법이 간단한지 여부</a:t>
+            </a:r>
+            <a:endParaRPr lang="en-US" altLang="ko-KR" sz="1600" dirty="0"/>
+          </a:p>
+          <a:p>
+            <a:pPr marL="914400" lvl="1" indent="-457200">
+              <a:buFont typeface="+mj-ea"/>
+              <a:buAutoNum type="circleNumDbPlain"/>
+            </a:pPr>
+            <a:r>
+              <a:rPr lang="en-US" altLang="ko-KR" sz="1600" dirty="0"/>
+              <a:t>AS, </a:t>
+            </a:r>
+            <a:r>
+              <a:rPr lang="ko-KR" altLang="en-US" sz="1600" dirty="0"/>
+              <a:t>보증</a:t>
+            </a:r>
+            <a:r>
+              <a:rPr lang="en-US" altLang="ko-KR" sz="1600" dirty="0"/>
+              <a:t>, </a:t>
+            </a:r>
+            <a:r>
+              <a:rPr lang="ko-KR" altLang="en-US" sz="1600" dirty="0"/>
+              <a:t>고객지원 서비스</a:t>
+            </a:r>
+            <a:endParaRPr lang="en-US" altLang="ko-KR" sz="1600" dirty="0"/>
+          </a:p>
+          <a:p>
+            <a:pPr marL="914400" lvl="1" indent="-457200">
+              <a:buFont typeface="+mj-ea"/>
+              <a:buAutoNum type="circleNumDbPlain"/>
+            </a:pPr>
+            <a:r>
+              <a:rPr lang="ko-KR" altLang="en-US" sz="1600" dirty="0"/>
+              <a:t>가족 전체가 쓸 수 있는지</a:t>
+            </a:r>
+            <a:endParaRPr lang="en-US" altLang="ko-KR" sz="1600" dirty="0"/>
+          </a:p>
+          <a:p>
+            <a:pPr marL="0" indent="0">
+              <a:buNone/>
+            </a:pPr>
+            <a:r>
+              <a:rPr lang="en-US" altLang="ko-KR" sz="1600" dirty="0"/>
+              <a:t>9. </a:t>
+            </a:r>
+            <a:r>
+              <a:rPr lang="ko-KR" altLang="en-US" sz="1600" dirty="0"/>
+              <a:t>웹사이트를 통해 어떤 정보가 더 보강되면 좋겠다고 느끼셨나요</a:t>
+            </a:r>
+            <a:r>
+              <a:rPr lang="en-US" altLang="ko-KR" sz="1600" dirty="0"/>
+              <a:t>?</a:t>
+            </a:r>
+          </a:p>
+          <a:p>
+            <a:pPr marL="914400" lvl="1" indent="-457200">
+              <a:buFont typeface="+mj-ea"/>
+              <a:buAutoNum type="circleNumDbPlain"/>
+            </a:pPr>
+            <a:r>
+              <a:rPr lang="ko-KR" altLang="en-US" sz="1600" dirty="0"/>
+              <a:t>연령대별 건강 관리 팁</a:t>
+            </a:r>
+            <a:endParaRPr lang="en-US" altLang="ko-KR" sz="1600" dirty="0"/>
+          </a:p>
+          <a:p>
+            <a:pPr marL="914400" lvl="1" indent="-457200">
+              <a:buFont typeface="+mj-ea"/>
+              <a:buAutoNum type="circleNumDbPlain"/>
+            </a:pPr>
+            <a:r>
+              <a:rPr lang="ko-KR" altLang="en-US" sz="1600" dirty="0"/>
+              <a:t>가족 건강 리포트 연동 기능</a:t>
+            </a:r>
+            <a:endParaRPr lang="en-US" altLang="ko-KR" sz="1600" dirty="0"/>
+          </a:p>
+          <a:p>
+            <a:pPr marL="914400" lvl="1" indent="-457200">
+              <a:buFont typeface="+mj-ea"/>
+              <a:buAutoNum type="circleNumDbPlain"/>
+            </a:pPr>
+            <a:r>
+              <a:rPr lang="ko-KR" altLang="en-US" sz="1600" dirty="0"/>
+              <a:t>제품 사용 예시나 체험 후기</a:t>
+            </a:r>
+            <a:endParaRPr lang="en-US" altLang="ko-KR" sz="1600" dirty="0"/>
+          </a:p>
+          <a:p>
+            <a:pPr marL="914400" lvl="1" indent="-457200">
+              <a:buFont typeface="+mj-ea"/>
+              <a:buAutoNum type="circleNumDbPlain"/>
+            </a:pPr>
+            <a:r>
+              <a:rPr lang="ko-KR" altLang="en-US" sz="1600" dirty="0"/>
+              <a:t>사전 진단</a:t>
+            </a:r>
+            <a:r>
+              <a:rPr lang="en-US" altLang="ko-KR" sz="1600" dirty="0"/>
+              <a:t>,</a:t>
+            </a:r>
+            <a:r>
+              <a:rPr lang="ko-KR" altLang="en-US" sz="1600" dirty="0"/>
+              <a:t> 질병 예방을 위한 맞춤 건강 관리 서비스</a:t>
+            </a:r>
+          </a:p>
+        </p:txBody>
+      </p:sp>
+    </p:spTree>
+    <p:extLst>
+      <p:ext uri="{BB962C8B-B14F-4D97-AF65-F5344CB8AC3E}">
+        <p14:creationId xmlns:p14="http://schemas.microsoft.com/office/powerpoint/2010/main" val="1862779080"/>
+      </p:ext>
+    </p:extLst>
+  </p:cSld>
+  <p:clrMapOvr>
+    <a:masterClrMapping/>
+  </p:clrMapOvr>
+</p:sld>
+</file>
+
 <file path=ppt/theme/theme1.xml><?xml version="1.0" encoding="utf-8"?>
-<a:theme xmlns:r="http://schemas.openxmlformats.org/officeDocument/2006/relationships" xmlns:c="http://schemas.openxmlformats.org/drawingml/2006/chart" xmlns:dgm="http://schemas.openxmlformats.org/drawingml/2006/diagram" xmlns:dsp="http://schemas.microsoft.com/office/drawing/2008/diagram" xmlns:a="http://schemas.openxmlformats.org/drawingml/2006/main" xmlns:pic="http://schemas.openxmlformats.org/drawingml/2006/picture" xmlns:wp="http://schemas.openxmlformats.org/drawingml/2006/wordprocessingDrawing" xmlns:xdr="http://schemas.openxmlformats.org/drawingml/2006/spreadsheetDrawing" xmlns:lc="http://schemas.openxmlformats.org/drawingml/2006/lockedCanvas" xmlns:p="http://schemas.openxmlformats.org/presentationml/2006/main" name="Office 테마">
+<a:theme xmlns:a="http://schemas.openxmlformats.org/drawingml/2006/main" name="Office 테마">
   <a:themeElements>
     <a:clrScheme name="Office">
       <a:dk1>
         <a:sysClr val="windowText" lastClr="000000"/>
       </a:dk1>
       <a:lt1>
-        <a:sysClr val="window" lastClr="ffffff"/>
+        <a:sysClr val="window" lastClr="FFFFFF"/>
       </a:lt1>
       <a:dk2>
-        <a:srgbClr val="44546a"/>
+        <a:srgbClr val="44546A"/>
       </a:dk2>
       <a:lt2>
-        <a:srgbClr val="e7e6e6"/>
+        <a:srgbClr val="E7E6E6"/>
       </a:lt2>
       <a:accent1>
-        <a:srgbClr val="4472c4"/>
+        <a:srgbClr val="4472C4"/>
       </a:accent1>
       <a:accent2>
-        <a:srgbClr val="ed7d31"/>
+        <a:srgbClr val="ED7D31"/>
       </a:accent2>
       <a:accent3>
-        <a:srgbClr val="a5a5a5"/>
+        <a:srgbClr val="A5A5A5"/>
       </a:accent3>
       <a:accent4>
-        <a:srgbClr val="ffc000"/>
+        <a:srgbClr val="FFC000"/>
       </a:accent4>
       <a:accent5>
-        <a:srgbClr val="5b9bd5"/>
+        <a:srgbClr val="5B9BD5"/>
       </a:accent5>
       <a:accent6>
-        <a:srgbClr val="70ad47"/>
+        <a:srgbClr val="70AD47"/>
       </a:accent6>
       <a:hlink>
-        <a:srgbClr val="0563c1"/>
+        <a:srgbClr val="0563C1"/>
       </a:hlink>
       <a:folHlink>
-        <a:srgbClr val="954f72"/>
+        <a:srgbClr val="954F72"/>
       </a:folHlink>
     </a:clrScheme>
     <a:fontScheme name="Office">
@@ -5384,5 +6525,7 @@
       </a:bgFillStyleLst>
     </a:fmtScheme>
   </a:themeElements>
+  <a:objectDefaults/>
+  <a:extraClrSchemeLst/>
 </a:theme>
 </file>